--- a/2차 과제 발표 20241028.pptx
+++ b/2차 과제 발표 20241028.pptx
@@ -5,10 +5,10 @@
     <p:sldMasterId id="2147483648" r:id="rId4"/>
   </p:sldMasterIdLst>
   <p:notesMasterIdLst>
-    <p:notesMasterId r:id="rId17"/>
+    <p:notesMasterId r:id="rId24"/>
   </p:notesMasterIdLst>
   <p:handoutMasterIdLst>
-    <p:handoutMasterId r:id="rId18"/>
+    <p:handoutMasterId r:id="rId25"/>
   </p:handoutMasterIdLst>
   <p:sldIdLst>
     <p:sldId id="303" r:id="rId5"/>
@@ -22,7 +22,14 @@
     <p:sldId id="339" r:id="rId13"/>
     <p:sldId id="336" r:id="rId14"/>
     <p:sldId id="337" r:id="rId15"/>
-    <p:sldId id="330" r:id="rId16"/>
+    <p:sldId id="340" r:id="rId16"/>
+    <p:sldId id="341" r:id="rId17"/>
+    <p:sldId id="342" r:id="rId18"/>
+    <p:sldId id="343" r:id="rId19"/>
+    <p:sldId id="344" r:id="rId20"/>
+    <p:sldId id="345" r:id="rId21"/>
+    <p:sldId id="346" r:id="rId22"/>
+    <p:sldId id="330" r:id="rId23"/>
   </p:sldIdLst>
   <p:sldSz cx="12192000" cy="6858000"/>
   <p:notesSz cx="6858000" cy="9144000"/>
@@ -5324,8 +5331,16 @@
           <a:lstStyle/>
           <a:p>
             <a:r>
+              <a:rPr lang="en-US" altLang="ko-KR" dirty="0" smtClean="0"/>
+              <a:t>UI </a:t>
+            </a:r>
+            <a:r>
+              <a:rPr lang="ko-KR" altLang="en-US" dirty="0" smtClean="0"/>
+              <a:t>구</a:t>
+            </a:r>
+            <a:r>
               <a:rPr lang="ko-KR" altLang="en-US" dirty="0"/>
-              <a:t>기능 구현</a:t>
+              <a:t>성</a:t>
             </a:r>
           </a:p>
         </p:txBody>
@@ -5383,16 +5398,392 @@
           <a:lstStyle/>
           <a:p>
             <a:r>
+              <a:rPr lang="en-US" altLang="ko-KR" dirty="0" smtClean="0"/>
+              <a:t>UI </a:t>
+            </a:r>
+            <a:r>
               <a:rPr lang="ko-KR" altLang="en-US" dirty="0" smtClean="0"/>
-              <a:t>기능 구현</a:t>
+              <a:t>구성 </a:t>
+            </a:r>
+            <a:r>
+              <a:rPr lang="en-US" altLang="ko-KR" dirty="0" smtClean="0"/>
+              <a:t>1</a:t>
             </a:r>
             <a:endParaRPr lang="ko-KR" altLang="en-US" dirty="0"/>
+          </a:p>
+        </p:txBody>
+      </p:sp>
+      <p:pic>
+        <p:nvPicPr>
+          <p:cNvPr id="5" name="그림 4"/>
+          <p:cNvPicPr>
+            <a:picLocks noChangeAspect="1"/>
+          </p:cNvPicPr>
+          <p:nvPr/>
+        </p:nvPicPr>
+        <p:blipFill>
+          <a:blip r:embed="rId2"/>
+          <a:stretch>
+            <a:fillRect/>
+          </a:stretch>
+        </p:blipFill>
+        <p:spPr>
+          <a:xfrm>
+            <a:off x="786552" y="1102717"/>
+            <a:ext cx="4403446" cy="4887343"/>
+          </a:xfrm>
+          <a:prstGeom prst="rect">
+            <a:avLst/>
+          </a:prstGeom>
+        </p:spPr>
+      </p:pic>
+      <p:sp>
+        <p:nvSpPr>
+          <p:cNvPr id="6" name="직사각형 5"/>
+          <p:cNvSpPr/>
+          <p:nvPr/>
+        </p:nvSpPr>
+        <p:spPr>
+          <a:xfrm>
+            <a:off x="786552" y="3138616"/>
+            <a:ext cx="887789" cy="191530"/>
+          </a:xfrm>
+          <a:prstGeom prst="rect">
+            <a:avLst/>
+          </a:prstGeom>
+          <a:noFill/>
+          <a:ln w="19050">
+            <a:solidFill>
+              <a:srgbClr val="FF0000"/>
+            </a:solidFill>
+          </a:ln>
+        </p:spPr>
+        <p:style>
+          <a:lnRef idx="2">
+            <a:schemeClr val="accent1">
+              <a:shade val="50000"/>
+            </a:schemeClr>
+          </a:lnRef>
+          <a:fillRef idx="1">
+            <a:schemeClr val="accent1"/>
+          </a:fillRef>
+          <a:effectRef idx="0">
+            <a:schemeClr val="accent1"/>
+          </a:effectRef>
+          <a:fontRef idx="minor">
+            <a:schemeClr val="lt1"/>
+          </a:fontRef>
+        </p:style>
+        <p:txBody>
+          <a:bodyPr rtlCol="0" anchor="ctr"/>
+          <a:lstStyle/>
+          <a:p>
+            <a:pPr algn="ctr"/>
+            <a:endParaRPr lang="ko-KR" altLang="en-US"/>
           </a:p>
         </p:txBody>
       </p:sp>
       <p:sp>
         <p:nvSpPr>
-          <p:cNvPr id="3" name="텍스트 개체 틀 2"/>
+          <p:cNvPr id="7" name="직사각형 6"/>
+          <p:cNvSpPr/>
+          <p:nvPr/>
+        </p:nvSpPr>
+        <p:spPr>
+          <a:xfrm>
+            <a:off x="786551" y="3357386"/>
+            <a:ext cx="2209963" cy="2632674"/>
+          </a:xfrm>
+          <a:prstGeom prst="rect">
+            <a:avLst/>
+          </a:prstGeom>
+          <a:noFill/>
+          <a:ln w="19050">
+            <a:solidFill>
+              <a:srgbClr val="FF0000"/>
+            </a:solidFill>
+          </a:ln>
+        </p:spPr>
+        <p:style>
+          <a:lnRef idx="2">
+            <a:schemeClr val="accent1">
+              <a:shade val="50000"/>
+            </a:schemeClr>
+          </a:lnRef>
+          <a:fillRef idx="1">
+            <a:schemeClr val="accent1"/>
+          </a:fillRef>
+          <a:effectRef idx="0">
+            <a:schemeClr val="accent1"/>
+          </a:effectRef>
+          <a:fontRef idx="minor">
+            <a:schemeClr val="lt1"/>
+          </a:fontRef>
+        </p:style>
+        <p:txBody>
+          <a:bodyPr rtlCol="0" anchor="ctr"/>
+          <a:lstStyle/>
+          <a:p>
+            <a:pPr algn="ctr"/>
+            <a:endParaRPr lang="ko-KR" altLang="en-US"/>
+          </a:p>
+        </p:txBody>
+      </p:sp>
+      <p:sp>
+        <p:nvSpPr>
+          <p:cNvPr id="8" name="직사각형 7"/>
+          <p:cNvSpPr/>
+          <p:nvPr/>
+        </p:nvSpPr>
+        <p:spPr>
+          <a:xfrm>
+            <a:off x="2988275" y="1233616"/>
+            <a:ext cx="669325" cy="191530"/>
+          </a:xfrm>
+          <a:prstGeom prst="rect">
+            <a:avLst/>
+          </a:prstGeom>
+          <a:noFill/>
+          <a:ln w="19050">
+            <a:solidFill>
+              <a:srgbClr val="FF0000"/>
+            </a:solidFill>
+          </a:ln>
+        </p:spPr>
+        <p:style>
+          <a:lnRef idx="2">
+            <a:schemeClr val="accent1">
+              <a:shade val="50000"/>
+            </a:schemeClr>
+          </a:lnRef>
+          <a:fillRef idx="1">
+            <a:schemeClr val="accent1"/>
+          </a:fillRef>
+          <a:effectRef idx="0">
+            <a:schemeClr val="accent1"/>
+          </a:effectRef>
+          <a:fontRef idx="minor">
+            <a:schemeClr val="lt1"/>
+          </a:fontRef>
+        </p:style>
+        <p:txBody>
+          <a:bodyPr rtlCol="0" anchor="ctr"/>
+          <a:lstStyle/>
+          <a:p>
+            <a:pPr algn="ctr"/>
+            <a:endParaRPr lang="ko-KR" altLang="en-US"/>
+          </a:p>
+        </p:txBody>
+      </p:sp>
+      <p:sp>
+        <p:nvSpPr>
+          <p:cNvPr id="9" name="직사각형 8"/>
+          <p:cNvSpPr/>
+          <p:nvPr/>
+        </p:nvSpPr>
+        <p:spPr>
+          <a:xfrm>
+            <a:off x="2994453" y="1425146"/>
+            <a:ext cx="2158314" cy="4564914"/>
+          </a:xfrm>
+          <a:prstGeom prst="rect">
+            <a:avLst/>
+          </a:prstGeom>
+          <a:noFill/>
+          <a:ln w="19050">
+            <a:solidFill>
+              <a:srgbClr val="FF0000"/>
+            </a:solidFill>
+          </a:ln>
+        </p:spPr>
+        <p:style>
+          <a:lnRef idx="2">
+            <a:schemeClr val="accent1">
+              <a:shade val="50000"/>
+            </a:schemeClr>
+          </a:lnRef>
+          <a:fillRef idx="1">
+            <a:schemeClr val="accent1"/>
+          </a:fillRef>
+          <a:effectRef idx="0">
+            <a:schemeClr val="accent1"/>
+          </a:effectRef>
+          <a:fontRef idx="minor">
+            <a:schemeClr val="lt1"/>
+          </a:fontRef>
+        </p:style>
+        <p:txBody>
+          <a:bodyPr rtlCol="0" anchor="ctr"/>
+          <a:lstStyle/>
+          <a:p>
+            <a:pPr algn="ctr"/>
+            <a:endParaRPr lang="ko-KR" altLang="en-US"/>
+          </a:p>
+        </p:txBody>
+      </p:sp>
+      <p:sp>
+        <p:nvSpPr>
+          <p:cNvPr id="11" name="TextBox 10"/>
+          <p:cNvSpPr txBox="1"/>
+          <p:nvPr/>
+        </p:nvSpPr>
+        <p:spPr>
+          <a:xfrm>
+            <a:off x="1706341" y="3113551"/>
+            <a:ext cx="230820" cy="215444"/>
+          </a:xfrm>
+          <a:prstGeom prst="rect">
+            <a:avLst/>
+          </a:prstGeom>
+          <a:solidFill>
+            <a:srgbClr val="FFFF00"/>
+          </a:solidFill>
+          <a:ln>
+            <a:solidFill>
+              <a:schemeClr val="tx1"/>
+            </a:solidFill>
+          </a:ln>
+        </p:spPr>
+        <p:txBody>
+          <a:bodyPr wrap="square" rtlCol="0">
+            <a:spAutoFit/>
+          </a:bodyPr>
+          <a:lstStyle/>
+          <a:p>
+            <a:r>
+              <a:rPr lang="en-US" altLang="ko-KR" sz="800" b="1" dirty="0" smtClean="0"/>
+              <a:t>1 </a:t>
+            </a:r>
+            <a:endParaRPr lang="ko-KR" altLang="en-US" sz="800" b="1" dirty="0"/>
+          </a:p>
+        </p:txBody>
+      </p:sp>
+      <p:sp>
+        <p:nvSpPr>
+          <p:cNvPr id="13" name="TextBox 12"/>
+          <p:cNvSpPr txBox="1"/>
+          <p:nvPr/>
+        </p:nvSpPr>
+        <p:spPr>
+          <a:xfrm>
+            <a:off x="2737811" y="3392563"/>
+            <a:ext cx="230820" cy="215444"/>
+          </a:xfrm>
+          <a:prstGeom prst="rect">
+            <a:avLst/>
+          </a:prstGeom>
+          <a:solidFill>
+            <a:srgbClr val="FFFF00"/>
+          </a:solidFill>
+          <a:ln>
+            <a:solidFill>
+              <a:schemeClr val="tx1"/>
+            </a:solidFill>
+          </a:ln>
+        </p:spPr>
+        <p:txBody>
+          <a:bodyPr wrap="square" rtlCol="0">
+            <a:spAutoFit/>
+          </a:bodyPr>
+          <a:lstStyle/>
+          <a:p>
+            <a:r>
+              <a:rPr lang="en-US" altLang="ko-KR" sz="800" b="1" dirty="0"/>
+              <a:t>2</a:t>
+            </a:r>
+            <a:r>
+              <a:rPr lang="en-US" altLang="ko-KR" sz="800" b="1" dirty="0" smtClean="0"/>
+              <a:t> </a:t>
+            </a:r>
+            <a:endParaRPr lang="ko-KR" altLang="en-US" sz="800" b="1" dirty="0"/>
+          </a:p>
+        </p:txBody>
+      </p:sp>
+      <p:sp>
+        <p:nvSpPr>
+          <p:cNvPr id="14" name="TextBox 13"/>
+          <p:cNvSpPr txBox="1"/>
+          <p:nvPr/>
+        </p:nvSpPr>
+        <p:spPr>
+          <a:xfrm>
+            <a:off x="3426780" y="964680"/>
+            <a:ext cx="230820" cy="215444"/>
+          </a:xfrm>
+          <a:prstGeom prst="rect">
+            <a:avLst/>
+          </a:prstGeom>
+          <a:solidFill>
+            <a:srgbClr val="FFFF00"/>
+          </a:solidFill>
+          <a:ln>
+            <a:solidFill>
+              <a:schemeClr val="tx1"/>
+            </a:solidFill>
+          </a:ln>
+        </p:spPr>
+        <p:txBody>
+          <a:bodyPr wrap="square" rtlCol="0">
+            <a:spAutoFit/>
+          </a:bodyPr>
+          <a:lstStyle/>
+          <a:p>
+            <a:r>
+              <a:rPr lang="en-US" altLang="ko-KR" sz="800" b="1" dirty="0"/>
+              <a:t>3</a:t>
+            </a:r>
+            <a:r>
+              <a:rPr lang="en-US" altLang="ko-KR" sz="800" b="1" dirty="0" smtClean="0"/>
+              <a:t> </a:t>
+            </a:r>
+            <a:endParaRPr lang="ko-KR" altLang="en-US" sz="800" b="1" dirty="0"/>
+          </a:p>
+        </p:txBody>
+      </p:sp>
+      <p:sp>
+        <p:nvSpPr>
+          <p:cNvPr id="15" name="TextBox 14"/>
+          <p:cNvSpPr txBox="1"/>
+          <p:nvPr/>
+        </p:nvSpPr>
+        <p:spPr>
+          <a:xfrm>
+            <a:off x="4865473" y="1476632"/>
+            <a:ext cx="230820" cy="215444"/>
+          </a:xfrm>
+          <a:prstGeom prst="rect">
+            <a:avLst/>
+          </a:prstGeom>
+          <a:solidFill>
+            <a:srgbClr val="FFFF00"/>
+          </a:solidFill>
+          <a:ln>
+            <a:solidFill>
+              <a:schemeClr val="tx1"/>
+            </a:solidFill>
+          </a:ln>
+        </p:spPr>
+        <p:txBody>
+          <a:bodyPr wrap="square" rtlCol="0">
+            <a:spAutoFit/>
+          </a:bodyPr>
+          <a:lstStyle/>
+          <a:p>
+            <a:r>
+              <a:rPr lang="en-US" altLang="ko-KR" sz="800" b="1" dirty="0"/>
+              <a:t>4</a:t>
+            </a:r>
+            <a:r>
+              <a:rPr lang="en-US" altLang="ko-KR" sz="800" b="1" dirty="0" smtClean="0"/>
+              <a:t> </a:t>
+            </a:r>
+            <a:endParaRPr lang="ko-KR" altLang="en-US" sz="800" b="1" dirty="0"/>
+          </a:p>
+        </p:txBody>
+      </p:sp>
+      <p:sp>
+        <p:nvSpPr>
+          <p:cNvPr id="16" name="텍스트 개체 틀 2"/>
           <p:cNvSpPr>
             <a:spLocks noGrp="1"/>
           </p:cNvSpPr>
@@ -5400,106 +5791,334 @@
             <p:ph type="body" sz="quarter" idx="11"/>
           </p:nvPr>
         </p:nvSpPr>
-        <p:spPr/>
+        <p:spPr>
+          <a:xfrm>
+            <a:off x="5570395" y="1102717"/>
+            <a:ext cx="4519662" cy="4887343"/>
+          </a:xfrm>
+        </p:spPr>
         <p:txBody>
-          <a:bodyPr/>
+          <a:bodyPr anchor="t">
+            <a:noAutofit/>
+          </a:bodyPr>
           <a:lstStyle/>
           <a:p>
-            <a:r>
-              <a:rPr lang="ko-KR" altLang="en-US" dirty="0" smtClean="0"/>
-              <a:t>진행 </a:t>
-            </a:r>
-            <a:r>
-              <a:rPr lang="ko-KR" altLang="en-US" dirty="0" smtClean="0"/>
-              <a:t>사항은 </a:t>
-            </a:r>
-            <a:r>
-              <a:rPr lang="ko-KR" altLang="en-US" dirty="0" smtClean="0"/>
-              <a:t>사칙 연산 우선 순위</a:t>
-            </a:r>
-            <a:r>
-              <a:rPr lang="en-US" altLang="ko-KR" dirty="0" smtClean="0"/>
+            <a:pPr marL="228600" indent="-228600">
+              <a:lnSpc>
+                <a:spcPct val="150000"/>
+              </a:lnSpc>
+              <a:buAutoNum type="arabicPeriod"/>
+            </a:pPr>
+            <a:r>
+              <a:rPr lang="ko-KR" altLang="en-US" sz="1200" dirty="0" smtClean="0"/>
+              <a:t>메모리 관련 기능</a:t>
+            </a:r>
+            <a:endParaRPr lang="en-US" altLang="ko-KR" sz="1200" dirty="0" smtClean="0"/>
+          </a:p>
+          <a:p>
+            <a:pPr>
+              <a:lnSpc>
+                <a:spcPct val="150000"/>
+              </a:lnSpc>
+            </a:pPr>
+            <a:r>
+              <a:rPr lang="en-US" altLang="ko-KR" sz="1200" dirty="0" smtClean="0"/>
+              <a:t>  - </a:t>
+            </a:r>
+            <a:r>
+              <a:rPr lang="ko-KR" altLang="en-US" sz="1200" dirty="0" smtClean="0"/>
+              <a:t>메모리 셋</a:t>
+            </a:r>
+            <a:r>
+              <a:rPr lang="en-US" altLang="ko-KR" sz="1200" dirty="0" smtClean="0"/>
               <a:t>, </a:t>
             </a:r>
             <a:r>
-              <a:rPr lang="ko-KR" altLang="en-US" dirty="0" smtClean="0"/>
+              <a:rPr lang="ko-KR" altLang="en-US" sz="1200" dirty="0" smtClean="0"/>
+              <a:t>메모리 값 </a:t>
+            </a:r>
+            <a:r>
+              <a:rPr lang="en-US" altLang="ko-KR" sz="1200" dirty="0" smtClean="0"/>
+              <a:t>+, </a:t>
+            </a:r>
+            <a:r>
+              <a:rPr lang="ko-KR" altLang="en-US" sz="1200" dirty="0" smtClean="0"/>
+              <a:t>메모리 값 </a:t>
+            </a:r>
+            <a:r>
+              <a:rPr lang="en-US" altLang="ko-KR" sz="1200" dirty="0" smtClean="0"/>
+              <a:t>-, </a:t>
+            </a:r>
+            <a:r>
+              <a:rPr lang="ko-KR" altLang="en-US" sz="1200" dirty="0" smtClean="0"/>
+              <a:t>메모리 리스트 </a:t>
+            </a:r>
+            <a:r>
+              <a:rPr lang="ko-KR" altLang="en-US" sz="1200" dirty="0" err="1" smtClean="0"/>
+              <a:t>클리어</a:t>
+            </a:r>
+            <a:endParaRPr lang="en-US" altLang="ko-KR" sz="1200" dirty="0" smtClean="0"/>
+          </a:p>
+          <a:p>
+            <a:pPr>
+              <a:lnSpc>
+                <a:spcPct val="150000"/>
+              </a:lnSpc>
+            </a:pPr>
+            <a:r>
+              <a:rPr lang="en-US" altLang="ko-KR" sz="1200" dirty="0" smtClean="0"/>
+              <a:t>2. </a:t>
+            </a:r>
+            <a:r>
+              <a:rPr lang="ko-KR" altLang="en-US" sz="1200" dirty="0" smtClean="0"/>
+              <a:t>연산 및 숫자 입력</a:t>
+            </a:r>
+            <a:endParaRPr lang="en-US" altLang="ko-KR" sz="1200" dirty="0" smtClean="0"/>
+          </a:p>
+          <a:p>
+            <a:pPr>
+              <a:lnSpc>
+                <a:spcPct val="150000"/>
+              </a:lnSpc>
+            </a:pPr>
+            <a:r>
+              <a:rPr lang="en-US" altLang="ko-KR" sz="1200" dirty="0"/>
+              <a:t> </a:t>
+            </a:r>
+            <a:r>
+              <a:rPr lang="en-US" altLang="ko-KR" sz="1200" dirty="0" smtClean="0"/>
+              <a:t> - </a:t>
+            </a:r>
+            <a:r>
+              <a:rPr lang="ko-KR" altLang="en-US" sz="1200" dirty="0" smtClean="0"/>
+              <a:t>연산자 및 숫자 입력 시 </a:t>
+            </a:r>
+            <a:r>
+              <a:rPr lang="ko-KR" altLang="en-US" sz="1200" dirty="0" err="1" smtClean="0"/>
+              <a:t>입력값</a:t>
+            </a:r>
+            <a:r>
+              <a:rPr lang="en-US" altLang="ko-KR" sz="1200" dirty="0" smtClean="0"/>
+              <a:t>, </a:t>
+            </a:r>
+            <a:r>
+              <a:rPr lang="ko-KR" altLang="en-US" sz="1200" dirty="0" smtClean="0"/>
+              <a:t>결과값에 출력됨</a:t>
+            </a:r>
+            <a:endParaRPr lang="en-US" altLang="ko-KR" sz="1200" dirty="0" smtClean="0"/>
+          </a:p>
+          <a:p>
+            <a:pPr>
+              <a:lnSpc>
+                <a:spcPct val="150000"/>
+              </a:lnSpc>
+            </a:pPr>
+            <a:r>
+              <a:rPr lang="en-US" altLang="ko-KR" sz="1200" dirty="0" smtClean="0"/>
+              <a:t>3. </a:t>
+            </a:r>
+            <a:r>
+              <a:rPr lang="ko-KR" altLang="en-US" sz="1200" dirty="0" err="1" smtClean="0"/>
+              <a:t>히스토리</a:t>
+            </a:r>
+            <a:r>
+              <a:rPr lang="ko-KR" altLang="en-US" sz="1200" dirty="0" smtClean="0"/>
+              <a:t> </a:t>
+            </a:r>
+            <a:r>
+              <a:rPr lang="en-US" altLang="ko-KR" sz="1200" dirty="0" smtClean="0"/>
+              <a:t>&amp; </a:t>
+            </a:r>
+            <a:r>
+              <a:rPr lang="ko-KR" altLang="en-US" sz="1200" dirty="0" smtClean="0"/>
+              <a:t>메모리 탭 시트 </a:t>
+            </a:r>
+            <a:r>
+              <a:rPr lang="en-US" altLang="ko-KR" sz="1200" dirty="0" smtClean="0"/>
+              <a:t> </a:t>
+            </a:r>
+          </a:p>
+          <a:p>
+            <a:pPr>
+              <a:lnSpc>
+                <a:spcPct val="150000"/>
+              </a:lnSpc>
+            </a:pPr>
+            <a:r>
+              <a:rPr lang="en-US" altLang="ko-KR" sz="1200" dirty="0" smtClean="0"/>
+              <a:t>  - </a:t>
+            </a:r>
+            <a:r>
+              <a:rPr lang="ko-KR" altLang="en-US" sz="1200" dirty="0" err="1" smtClean="0"/>
+              <a:t>클릭시</a:t>
+            </a:r>
+            <a:r>
+              <a:rPr lang="ko-KR" altLang="en-US" sz="1200" dirty="0" smtClean="0"/>
+              <a:t> 해당 시트 표시됨</a:t>
+            </a:r>
+            <a:r>
+              <a:rPr lang="en-US" altLang="ko-KR" sz="1200" dirty="0" smtClean="0"/>
+              <a:t> </a:t>
+            </a:r>
+          </a:p>
+          <a:p>
+            <a:pPr>
+              <a:lnSpc>
+                <a:spcPct val="150000"/>
+              </a:lnSpc>
+            </a:pPr>
+            <a:r>
+              <a:rPr lang="en-US" altLang="ko-KR" sz="1200" dirty="0" smtClean="0"/>
+              <a:t>4. </a:t>
+            </a:r>
+            <a:r>
+              <a:rPr lang="ko-KR" altLang="en-US" sz="1200" dirty="0" smtClean="0"/>
+              <a:t>메모리 </a:t>
+            </a:r>
+            <a:r>
+              <a:rPr lang="en-US" altLang="ko-KR" sz="1200" dirty="0" smtClean="0"/>
+              <a:t>&amp; </a:t>
+            </a:r>
+            <a:r>
+              <a:rPr lang="ko-KR" altLang="en-US" sz="1200" dirty="0" err="1" smtClean="0"/>
+              <a:t>히스토리</a:t>
+            </a:r>
+            <a:r>
+              <a:rPr lang="ko-KR" altLang="en-US" sz="1200" dirty="0" smtClean="0"/>
+              <a:t> 리스트 뷰</a:t>
+            </a:r>
+            <a:endParaRPr lang="en-US" altLang="ko-KR" sz="1200" dirty="0" smtClean="0"/>
+          </a:p>
+          <a:p>
+            <a:pPr>
+              <a:lnSpc>
+                <a:spcPct val="150000"/>
+              </a:lnSpc>
+            </a:pPr>
+            <a:r>
+              <a:rPr lang="en-US" altLang="ko-KR" sz="1200" dirty="0"/>
+              <a:t> </a:t>
+            </a:r>
+            <a:r>
+              <a:rPr lang="en-US" altLang="ko-KR" sz="1200" dirty="0" smtClean="0"/>
+              <a:t> - </a:t>
+            </a:r>
+            <a:r>
+              <a:rPr lang="ko-KR" altLang="en-US" sz="1200" dirty="0" smtClean="0"/>
               <a:t>메모리</a:t>
             </a:r>
             <a:r>
-              <a:rPr lang="en-US" altLang="ko-KR" dirty="0" smtClean="0"/>
+              <a:rPr lang="en-US" altLang="ko-KR" sz="1200" dirty="0" smtClean="0"/>
               <a:t>, </a:t>
             </a:r>
             <a:r>
-              <a:rPr lang="ko-KR" altLang="en-US" dirty="0" err="1" smtClean="0"/>
+              <a:rPr lang="ko-KR" altLang="en-US" sz="1200" dirty="0" err="1" smtClean="0"/>
               <a:t>히스토리</a:t>
             </a:r>
             <a:r>
-              <a:rPr lang="ko-KR" altLang="en-US" dirty="0" smtClean="0"/>
-              <a:t> 까지 </a:t>
-            </a:r>
-            <a:r>
-              <a:rPr lang="ko-KR" altLang="en-US" dirty="0" smtClean="0"/>
-              <a:t>구현 </a:t>
-            </a:r>
-            <a:r>
-              <a:rPr lang="ko-KR" altLang="en-US" dirty="0" smtClean="0"/>
-              <a:t>완료</a:t>
-            </a:r>
-            <a:r>
-              <a:rPr lang="en-US" altLang="ko-KR" dirty="0" smtClean="0"/>
-              <a:t/>
-            </a:r>
-            <a:br>
-              <a:rPr lang="en-US" altLang="ko-KR" dirty="0" smtClean="0"/>
-            </a:br>
-            <a:r>
-              <a:rPr lang="en-US" altLang="ko-KR" dirty="0" smtClean="0"/>
-              <a:t>UI </a:t>
-            </a:r>
-            <a:r>
-              <a:rPr lang="ko-KR" altLang="en-US" dirty="0" smtClean="0"/>
-              <a:t>개발 </a:t>
-            </a:r>
-            <a:r>
-              <a:rPr lang="en-US" altLang="ko-KR" dirty="0" smtClean="0"/>
-              <a:t>(</a:t>
-            </a:r>
-            <a:r>
-              <a:rPr lang="ko-KR" altLang="en-US" dirty="0" err="1" smtClean="0"/>
-              <a:t>작화</a:t>
-            </a:r>
-            <a:r>
-              <a:rPr lang="en-US" altLang="ko-KR" dirty="0" smtClean="0"/>
-              <a:t>) </a:t>
-            </a:r>
-            <a:r>
-              <a:rPr lang="ko-KR" altLang="en-US" dirty="0" smtClean="0"/>
-              <a:t>상세하게 </a:t>
-            </a:r>
-            <a:r>
-              <a:rPr lang="en-US" altLang="ko-KR" dirty="0" smtClean="0"/>
+              <a:rPr lang="ko-KR" altLang="en-US" sz="1200" dirty="0" smtClean="0"/>
+              <a:t> 모델 </a:t>
+            </a:r>
+            <a:r>
+              <a:rPr lang="ko-KR" altLang="en-US" sz="1200" dirty="0" err="1" smtClean="0"/>
+              <a:t>추가시</a:t>
+            </a:r>
+            <a:r>
+              <a:rPr lang="ko-KR" altLang="en-US" sz="1200" dirty="0" smtClean="0"/>
               <a:t> </a:t>
             </a:r>
-            <a:endParaRPr lang="ko-KR" altLang="en-US" dirty="0"/>
+            <a:r>
+              <a:rPr lang="ko-KR" altLang="en-US" sz="1200" dirty="0" err="1" smtClean="0"/>
+              <a:t>리스트뷰에</a:t>
+            </a:r>
+            <a:r>
+              <a:rPr lang="ko-KR" altLang="en-US" sz="1200" dirty="0" smtClean="0"/>
+              <a:t> 추가됨</a:t>
+            </a:r>
+            <a:endParaRPr lang="en-US" altLang="ko-KR" sz="1200" dirty="0" smtClean="0"/>
           </a:p>
         </p:txBody>
       </p:sp>
       <p:sp>
         <p:nvSpPr>
-          <p:cNvPr id="4" name="텍스트 개체 틀 3"/>
-          <p:cNvSpPr>
-            <a:spLocks noGrp="1"/>
-          </p:cNvSpPr>
-          <p:nvPr>
-            <p:ph type="body" sz="quarter" idx="12"/>
-          </p:nvPr>
+          <p:cNvPr id="17" name="직사각형 16"/>
+          <p:cNvSpPr/>
+          <p:nvPr/>
         </p:nvSpPr>
-        <p:spPr/>
+        <p:spPr>
+          <a:xfrm>
+            <a:off x="786551" y="1233041"/>
+            <a:ext cx="2191902" cy="1656713"/>
+          </a:xfrm>
+          <a:prstGeom prst="rect">
+            <a:avLst/>
+          </a:prstGeom>
+          <a:noFill/>
+          <a:ln w="19050">
+            <a:solidFill>
+              <a:srgbClr val="FF0000"/>
+            </a:solidFill>
+          </a:ln>
+        </p:spPr>
+        <p:style>
+          <a:lnRef idx="2">
+            <a:schemeClr val="accent1">
+              <a:shade val="50000"/>
+            </a:schemeClr>
+          </a:lnRef>
+          <a:fillRef idx="1">
+            <a:schemeClr val="accent1"/>
+          </a:fillRef>
+          <a:effectRef idx="0">
+            <a:schemeClr val="accent1"/>
+          </a:effectRef>
+          <a:fontRef idx="minor">
+            <a:schemeClr val="lt1"/>
+          </a:fontRef>
+        </p:style>
         <p:txBody>
-          <a:bodyPr/>
+          <a:bodyPr rtlCol="0" anchor="ctr"/>
           <a:lstStyle/>
           <a:p>
+            <a:pPr algn="ctr"/>
             <a:endParaRPr lang="ko-KR" altLang="en-US"/>
+          </a:p>
+        </p:txBody>
+      </p:sp>
+      <p:sp>
+        <p:nvSpPr>
+          <p:cNvPr id="18" name="TextBox 17"/>
+          <p:cNvSpPr txBox="1"/>
+          <p:nvPr/>
+        </p:nvSpPr>
+        <p:spPr>
+          <a:xfrm>
+            <a:off x="2713337" y="1282688"/>
+            <a:ext cx="230820" cy="215444"/>
+          </a:xfrm>
+          <a:prstGeom prst="rect">
+            <a:avLst/>
+          </a:prstGeom>
+          <a:solidFill>
+            <a:srgbClr val="FFFF00"/>
+          </a:solidFill>
+          <a:ln>
+            <a:solidFill>
+              <a:schemeClr val="tx1"/>
+            </a:solidFill>
+          </a:ln>
+        </p:spPr>
+        <p:txBody>
+          <a:bodyPr wrap="square" rtlCol="0">
+            <a:spAutoFit/>
+          </a:bodyPr>
+          <a:lstStyle/>
+          <a:p>
+            <a:r>
+              <a:rPr lang="en-US" altLang="ko-KR" sz="800" b="1" dirty="0" smtClean="0"/>
+              <a:t>5 </a:t>
+            </a:r>
+            <a:endParaRPr lang="ko-KR" altLang="en-US" sz="800" b="1" dirty="0"/>
           </a:p>
         </p:txBody>
       </p:sp>
@@ -5524,6 +6143,1861 @@
 </file>
 
 <file path=ppt/slides/slide12.xml><?xml version="1.0" encoding="utf-8"?>
+<p:sld xmlns:a="http://schemas.openxmlformats.org/drawingml/2006/main" xmlns:r="http://schemas.openxmlformats.org/officeDocument/2006/relationships" xmlns:p="http://schemas.openxmlformats.org/presentationml/2006/main">
+  <p:cSld>
+    <p:spTree>
+      <p:nvGrpSpPr>
+        <p:cNvPr id="1" name=""/>
+        <p:cNvGrpSpPr/>
+        <p:nvPr/>
+      </p:nvGrpSpPr>
+      <p:grpSpPr>
+        <a:xfrm>
+          <a:off x="0" y="0"/>
+          <a:ext cx="0" cy="0"/>
+          <a:chOff x="0" y="0"/>
+          <a:chExt cx="0" cy="0"/>
+        </a:xfrm>
+      </p:grpSpPr>
+      <p:sp>
+        <p:nvSpPr>
+          <p:cNvPr id="2" name="텍스트 개체 틀 1"/>
+          <p:cNvSpPr>
+            <a:spLocks noGrp="1"/>
+          </p:cNvSpPr>
+          <p:nvPr>
+            <p:ph type="body" sz="quarter" idx="10"/>
+          </p:nvPr>
+        </p:nvSpPr>
+        <p:spPr/>
+        <p:txBody>
+          <a:bodyPr/>
+          <a:lstStyle/>
+          <a:p>
+            <a:r>
+              <a:rPr lang="en-US" altLang="ko-KR" dirty="0" smtClean="0"/>
+              <a:t>UI </a:t>
+            </a:r>
+            <a:r>
+              <a:rPr lang="ko-KR" altLang="en-US" dirty="0" smtClean="0"/>
+              <a:t>구성 </a:t>
+            </a:r>
+            <a:r>
+              <a:rPr lang="en-US" altLang="ko-KR" dirty="0" smtClean="0"/>
+              <a:t>2 (</a:t>
+            </a:r>
+            <a:r>
+              <a:rPr lang="en-US" altLang="ko-KR" dirty="0" err="1" smtClean="0"/>
+              <a:t>xaml</a:t>
+            </a:r>
+            <a:r>
+              <a:rPr lang="en-US" altLang="ko-KR" dirty="0" smtClean="0"/>
+              <a:t>)</a:t>
+            </a:r>
+            <a:endParaRPr lang="ko-KR" altLang="en-US" dirty="0"/>
+          </a:p>
+        </p:txBody>
+      </p:sp>
+      <p:sp>
+        <p:nvSpPr>
+          <p:cNvPr id="16" name="텍스트 개체 틀 2"/>
+          <p:cNvSpPr>
+            <a:spLocks noGrp="1"/>
+          </p:cNvSpPr>
+          <p:nvPr>
+            <p:ph type="body" sz="quarter" idx="11"/>
+          </p:nvPr>
+        </p:nvSpPr>
+        <p:spPr>
+          <a:xfrm>
+            <a:off x="801368" y="4396153"/>
+            <a:ext cx="9019639" cy="2031023"/>
+          </a:xfrm>
+        </p:spPr>
+        <p:txBody>
+          <a:bodyPr anchor="t">
+            <a:noAutofit/>
+          </a:bodyPr>
+          <a:lstStyle/>
+          <a:p>
+            <a:pPr marL="228600" indent="-228600">
+              <a:lnSpc>
+                <a:spcPct val="150000"/>
+              </a:lnSpc>
+              <a:buAutoNum type="arabicPeriod"/>
+            </a:pPr>
+            <a:r>
+              <a:rPr lang="ko-KR" altLang="en-US" sz="1200" dirty="0" smtClean="0"/>
+              <a:t>스타일 구성 </a:t>
+            </a:r>
+            <a:r>
+              <a:rPr lang="en-US" altLang="ko-KR" sz="1200" dirty="0" smtClean="0"/>
+              <a:t>1 (</a:t>
+            </a:r>
+            <a:r>
+              <a:rPr lang="ko-KR" altLang="en-US" sz="1200" dirty="0" smtClean="0"/>
+              <a:t>버튼 스타일</a:t>
+            </a:r>
+            <a:r>
+              <a:rPr lang="en-US" altLang="ko-KR" sz="1200" dirty="0" smtClean="0"/>
+              <a:t>)</a:t>
+            </a:r>
+          </a:p>
+          <a:p>
+            <a:pPr>
+              <a:lnSpc>
+                <a:spcPct val="150000"/>
+              </a:lnSpc>
+            </a:pPr>
+            <a:r>
+              <a:rPr lang="en-US" altLang="ko-KR" sz="1200" dirty="0" smtClean="0"/>
+              <a:t>  - %, CE, C, </a:t>
+            </a:r>
+            <a:r>
+              <a:rPr lang="ko-KR" altLang="en-US" sz="1200" dirty="0" smtClean="0"/>
+              <a:t>백스페이스</a:t>
+            </a:r>
+            <a:r>
+              <a:rPr lang="en-US" altLang="ko-KR" sz="1200" dirty="0" smtClean="0"/>
+              <a:t>, 1/x, x^2, root, </a:t>
+            </a:r>
+            <a:r>
+              <a:rPr lang="ko-KR" altLang="en-US" sz="1200" dirty="0" smtClean="0"/>
+              <a:t>사칙연산</a:t>
+            </a:r>
+            <a:r>
+              <a:rPr lang="en-US" altLang="ko-KR" sz="1200" dirty="0" smtClean="0"/>
+              <a:t>, equal </a:t>
+            </a:r>
+            <a:r>
+              <a:rPr lang="ko-KR" altLang="en-US" sz="1200" dirty="0" smtClean="0"/>
+              <a:t>에 적용됨</a:t>
+            </a:r>
+            <a:endParaRPr lang="en-US" altLang="ko-KR" sz="1200" dirty="0" smtClean="0"/>
+          </a:p>
+          <a:p>
+            <a:pPr>
+              <a:lnSpc>
+                <a:spcPct val="150000"/>
+              </a:lnSpc>
+            </a:pPr>
+            <a:r>
+              <a:rPr lang="en-US" altLang="ko-KR" sz="1200" dirty="0"/>
+              <a:t> </a:t>
+            </a:r>
+            <a:r>
+              <a:rPr lang="en-US" altLang="ko-KR" sz="1200" dirty="0" smtClean="0"/>
+              <a:t>&gt; </a:t>
+            </a:r>
+            <a:r>
+              <a:rPr lang="ko-KR" altLang="en-US" sz="1200" dirty="0" smtClean="0"/>
+              <a:t>컨트롤 템플릿 활용하여 코너 라운드 </a:t>
+            </a:r>
+            <a:r>
+              <a:rPr lang="en-US" altLang="ko-KR" sz="1200" dirty="0" smtClean="0"/>
+              <a:t>3, </a:t>
+            </a:r>
+            <a:r>
+              <a:rPr lang="ko-KR" altLang="en-US" sz="1200" dirty="0" err="1" smtClean="0"/>
+              <a:t>보더</a:t>
+            </a:r>
+            <a:r>
+              <a:rPr lang="ko-KR" altLang="en-US" sz="1200" dirty="0" smtClean="0"/>
+              <a:t> 굵기 </a:t>
+            </a:r>
+            <a:r>
+              <a:rPr lang="en-US" altLang="ko-KR" sz="1200" dirty="0" smtClean="0"/>
+              <a:t>1, </a:t>
+            </a:r>
+            <a:r>
+              <a:rPr lang="ko-KR" altLang="en-US" sz="1200" dirty="0" err="1" smtClean="0"/>
+              <a:t>보더</a:t>
+            </a:r>
+            <a:r>
+              <a:rPr lang="ko-KR" altLang="en-US" sz="1200" dirty="0" smtClean="0"/>
+              <a:t> 색깔은 </a:t>
+            </a:r>
+            <a:r>
+              <a:rPr lang="ko-KR" altLang="en-US" sz="1200" dirty="0" err="1" smtClean="0"/>
+              <a:t>다크</a:t>
+            </a:r>
+            <a:r>
+              <a:rPr lang="ko-KR" altLang="en-US" sz="1200" dirty="0" smtClean="0"/>
+              <a:t> 그레이 적용</a:t>
+            </a:r>
+            <a:endParaRPr lang="en-US" altLang="ko-KR" sz="1200" dirty="0" smtClean="0"/>
+          </a:p>
+          <a:p>
+            <a:pPr>
+              <a:lnSpc>
+                <a:spcPct val="150000"/>
+              </a:lnSpc>
+            </a:pPr>
+            <a:r>
+              <a:rPr lang="en-US" altLang="ko-KR" sz="1200" dirty="0"/>
+              <a:t> </a:t>
+            </a:r>
+            <a:r>
+              <a:rPr lang="en-US" altLang="ko-KR" sz="1200" dirty="0" smtClean="0"/>
+              <a:t>&gt; </a:t>
+            </a:r>
+            <a:r>
+              <a:rPr lang="ko-KR" altLang="en-US" sz="1200" dirty="0" err="1" smtClean="0"/>
+              <a:t>프레젠터는</a:t>
+            </a:r>
+            <a:r>
+              <a:rPr lang="ko-KR" altLang="en-US" sz="1200" dirty="0" smtClean="0"/>
+              <a:t> 중앙 적용</a:t>
+            </a:r>
+            <a:endParaRPr lang="en-US" altLang="ko-KR" sz="1200" dirty="0"/>
+          </a:p>
+          <a:p>
+            <a:pPr>
+              <a:lnSpc>
+                <a:spcPct val="150000"/>
+              </a:lnSpc>
+            </a:pPr>
+            <a:r>
+              <a:rPr lang="en-US" altLang="ko-KR" sz="1200" dirty="0" smtClean="0"/>
+              <a:t> &gt; </a:t>
+            </a:r>
+            <a:r>
+              <a:rPr lang="ko-KR" altLang="en-US" sz="1200" dirty="0" smtClean="0"/>
+              <a:t>트리거 는 버튼 </a:t>
+            </a:r>
+            <a:r>
+              <a:rPr lang="ko-KR" altLang="en-US" sz="1200" dirty="0" err="1" smtClean="0"/>
+              <a:t>누를시에</a:t>
+            </a:r>
+            <a:r>
+              <a:rPr lang="ko-KR" altLang="en-US" sz="1200" dirty="0" smtClean="0"/>
+              <a:t> 색깔 고스트 화이트로 변경됨</a:t>
+            </a:r>
+            <a:endParaRPr lang="en-US" altLang="ko-KR" sz="1200" dirty="0" smtClean="0"/>
+          </a:p>
+        </p:txBody>
+      </p:sp>
+      <p:pic>
+        <p:nvPicPr>
+          <p:cNvPr id="3" name="그림 2"/>
+          <p:cNvPicPr>
+            <a:picLocks noChangeAspect="1"/>
+          </p:cNvPicPr>
+          <p:nvPr/>
+        </p:nvPicPr>
+        <p:blipFill>
+          <a:blip r:embed="rId2"/>
+          <a:stretch>
+            <a:fillRect/>
+          </a:stretch>
+        </p:blipFill>
+        <p:spPr>
+          <a:xfrm>
+            <a:off x="735623" y="1278181"/>
+            <a:ext cx="8839200" cy="2771775"/>
+          </a:xfrm>
+          <a:prstGeom prst="rect">
+            <a:avLst/>
+          </a:prstGeom>
+        </p:spPr>
+      </p:pic>
+    </p:spTree>
+    <p:extLst>
+      <p:ext uri="{BB962C8B-B14F-4D97-AF65-F5344CB8AC3E}">
+        <p14:creationId xmlns:p14="http://schemas.microsoft.com/office/powerpoint/2010/main" val="310350031"/>
+      </p:ext>
+    </p:extLst>
+  </p:cSld>
+  <p:clrMapOvr>
+    <a:masterClrMapping/>
+  </p:clrMapOvr>
+  <p:timing>
+    <p:tnLst>
+      <p:par>
+        <p:cTn id="1" dur="indefinite" restart="never" nodeType="tmRoot"/>
+      </p:par>
+    </p:tnLst>
+  </p:timing>
+</p:sld>
+</file>
+
+<file path=ppt/slides/slide13.xml><?xml version="1.0" encoding="utf-8"?>
+<p:sld xmlns:a="http://schemas.openxmlformats.org/drawingml/2006/main" xmlns:r="http://schemas.openxmlformats.org/officeDocument/2006/relationships" xmlns:p="http://schemas.openxmlformats.org/presentationml/2006/main">
+  <p:cSld>
+    <p:spTree>
+      <p:nvGrpSpPr>
+        <p:cNvPr id="1" name=""/>
+        <p:cNvGrpSpPr/>
+        <p:nvPr/>
+      </p:nvGrpSpPr>
+      <p:grpSpPr>
+        <a:xfrm>
+          <a:off x="0" y="0"/>
+          <a:ext cx="0" cy="0"/>
+          <a:chOff x="0" y="0"/>
+          <a:chExt cx="0" cy="0"/>
+        </a:xfrm>
+      </p:grpSpPr>
+      <p:sp>
+        <p:nvSpPr>
+          <p:cNvPr id="2" name="텍스트 개체 틀 1"/>
+          <p:cNvSpPr>
+            <a:spLocks noGrp="1"/>
+          </p:cNvSpPr>
+          <p:nvPr>
+            <p:ph type="body" sz="quarter" idx="10"/>
+          </p:nvPr>
+        </p:nvSpPr>
+        <p:spPr/>
+        <p:txBody>
+          <a:bodyPr/>
+          <a:lstStyle/>
+          <a:p>
+            <a:r>
+              <a:rPr lang="en-US" altLang="ko-KR" dirty="0" smtClean="0"/>
+              <a:t>UI </a:t>
+            </a:r>
+            <a:r>
+              <a:rPr lang="ko-KR" altLang="en-US" dirty="0" smtClean="0"/>
+              <a:t>구성 </a:t>
+            </a:r>
+            <a:r>
+              <a:rPr lang="en-US" altLang="ko-KR" dirty="0" smtClean="0"/>
+              <a:t>2 (</a:t>
+            </a:r>
+            <a:r>
+              <a:rPr lang="en-US" altLang="ko-KR" dirty="0" err="1" smtClean="0"/>
+              <a:t>xaml</a:t>
+            </a:r>
+            <a:r>
+              <a:rPr lang="en-US" altLang="ko-KR" dirty="0" smtClean="0"/>
+              <a:t>)</a:t>
+            </a:r>
+            <a:endParaRPr lang="ko-KR" altLang="en-US" dirty="0"/>
+          </a:p>
+        </p:txBody>
+      </p:sp>
+      <p:sp>
+        <p:nvSpPr>
+          <p:cNvPr id="16" name="텍스트 개체 틀 2"/>
+          <p:cNvSpPr>
+            <a:spLocks noGrp="1"/>
+          </p:cNvSpPr>
+          <p:nvPr>
+            <p:ph type="body" sz="quarter" idx="11"/>
+          </p:nvPr>
+        </p:nvSpPr>
+        <p:spPr>
+          <a:xfrm>
+            <a:off x="801368" y="4396153"/>
+            <a:ext cx="9019639" cy="2031023"/>
+          </a:xfrm>
+        </p:spPr>
+        <p:txBody>
+          <a:bodyPr anchor="t">
+            <a:noAutofit/>
+          </a:bodyPr>
+          <a:lstStyle/>
+          <a:p>
+            <a:pPr>
+              <a:lnSpc>
+                <a:spcPct val="150000"/>
+              </a:lnSpc>
+            </a:pPr>
+            <a:r>
+              <a:rPr lang="en-US" altLang="ko-KR" sz="1200" dirty="0" smtClean="0"/>
+              <a:t>2. </a:t>
+            </a:r>
+            <a:r>
+              <a:rPr lang="ko-KR" altLang="en-US" sz="1200" dirty="0" smtClean="0"/>
+              <a:t>스타일 구성 </a:t>
+            </a:r>
+            <a:r>
+              <a:rPr lang="en-US" altLang="ko-KR" sz="1200" dirty="0"/>
+              <a:t>2</a:t>
+            </a:r>
+            <a:r>
+              <a:rPr lang="en-US" altLang="ko-KR" sz="1200" dirty="0" smtClean="0"/>
+              <a:t> (</a:t>
+            </a:r>
+            <a:r>
+              <a:rPr lang="ko-KR" altLang="en-US" sz="1200" dirty="0" smtClean="0"/>
+              <a:t>버튼 스타일</a:t>
+            </a:r>
+            <a:r>
+              <a:rPr lang="en-US" altLang="ko-KR" sz="1200" dirty="0" smtClean="0"/>
+              <a:t>)</a:t>
+            </a:r>
+          </a:p>
+          <a:p>
+            <a:pPr>
+              <a:lnSpc>
+                <a:spcPct val="150000"/>
+              </a:lnSpc>
+            </a:pPr>
+            <a:r>
+              <a:rPr lang="en-US" altLang="ko-KR" sz="1200" dirty="0" smtClean="0"/>
+              <a:t>  - </a:t>
+            </a:r>
+            <a:r>
+              <a:rPr lang="ko-KR" altLang="en-US" sz="1200" dirty="0" smtClean="0"/>
+              <a:t>메모리 기능 버튼에 적용됨</a:t>
+            </a:r>
+            <a:r>
+              <a:rPr lang="en-US" altLang="ko-KR" sz="1200" dirty="0" smtClean="0"/>
+              <a:t> </a:t>
+            </a:r>
+          </a:p>
+          <a:p>
+            <a:pPr>
+              <a:lnSpc>
+                <a:spcPct val="150000"/>
+              </a:lnSpc>
+            </a:pPr>
+            <a:r>
+              <a:rPr lang="en-US" altLang="ko-KR" sz="1200" dirty="0" smtClean="0"/>
+              <a:t>&gt; </a:t>
+            </a:r>
+            <a:r>
+              <a:rPr lang="ko-KR" altLang="en-US" sz="1200" dirty="0" smtClean="0"/>
+              <a:t>컨트롤 템플릿 활용하여 코너 라운드 </a:t>
+            </a:r>
+            <a:r>
+              <a:rPr lang="en-US" altLang="ko-KR" sz="1200" dirty="0" smtClean="0"/>
+              <a:t>3, </a:t>
+            </a:r>
+            <a:r>
+              <a:rPr lang="ko-KR" altLang="en-US" sz="1200" dirty="0" err="1" smtClean="0"/>
+              <a:t>보더</a:t>
+            </a:r>
+            <a:r>
+              <a:rPr lang="ko-KR" altLang="en-US" sz="1200" dirty="0" smtClean="0"/>
+              <a:t> 굵기 </a:t>
+            </a:r>
+            <a:r>
+              <a:rPr lang="en-US" altLang="ko-KR" sz="1200" dirty="0" smtClean="0"/>
+              <a:t>1, </a:t>
+            </a:r>
+            <a:r>
+              <a:rPr lang="ko-KR" altLang="en-US" sz="1200" dirty="0" err="1" smtClean="0"/>
+              <a:t>보더</a:t>
+            </a:r>
+            <a:r>
+              <a:rPr lang="ko-KR" altLang="en-US" sz="1200" dirty="0" smtClean="0"/>
+              <a:t> 색깔은 </a:t>
+            </a:r>
+            <a:r>
+              <a:rPr lang="ko-KR" altLang="en-US" sz="1200" dirty="0" err="1" smtClean="0"/>
+              <a:t>다크</a:t>
+            </a:r>
+            <a:r>
+              <a:rPr lang="ko-KR" altLang="en-US" sz="1200" dirty="0" smtClean="0"/>
+              <a:t> 그레이 적용</a:t>
+            </a:r>
+            <a:endParaRPr lang="en-US" altLang="ko-KR" sz="1200" dirty="0" smtClean="0"/>
+          </a:p>
+          <a:p>
+            <a:pPr>
+              <a:lnSpc>
+                <a:spcPct val="150000"/>
+              </a:lnSpc>
+            </a:pPr>
+            <a:r>
+              <a:rPr lang="en-US" altLang="ko-KR" sz="1200" dirty="0" smtClean="0"/>
+              <a:t> &gt; </a:t>
+            </a:r>
+            <a:r>
+              <a:rPr lang="ko-KR" altLang="en-US" sz="1200" dirty="0" err="1" smtClean="0"/>
+              <a:t>프레젠터는</a:t>
+            </a:r>
+            <a:r>
+              <a:rPr lang="ko-KR" altLang="en-US" sz="1200" dirty="0" smtClean="0"/>
+              <a:t> 중앙 적용</a:t>
+            </a:r>
+            <a:r>
+              <a:rPr lang="en-US" altLang="ko-KR" sz="1200" dirty="0" smtClean="0"/>
+              <a:t>, </a:t>
+            </a:r>
+            <a:r>
+              <a:rPr lang="ko-KR" altLang="en-US" sz="1200" dirty="0" smtClean="0"/>
+              <a:t>기본 백그라운드를 화이트로 변경</a:t>
+            </a:r>
+            <a:r>
+              <a:rPr lang="en-US" altLang="ko-KR" sz="1200" dirty="0" smtClean="0"/>
+              <a:t>, </a:t>
+            </a:r>
+            <a:r>
+              <a:rPr lang="ko-KR" altLang="en-US" sz="1200" dirty="0" smtClean="0"/>
+              <a:t>폰트 사이즈 </a:t>
+            </a:r>
+            <a:r>
+              <a:rPr lang="en-US" altLang="ko-KR" sz="1200" dirty="0" smtClean="0"/>
+              <a:t>9</a:t>
+            </a:r>
+            <a:r>
+              <a:rPr lang="ko-KR" altLang="en-US" sz="1200" dirty="0" smtClean="0"/>
+              <a:t>로 변경</a:t>
+            </a:r>
+            <a:endParaRPr lang="en-US" altLang="ko-KR" sz="1200" dirty="0"/>
+          </a:p>
+          <a:p>
+            <a:pPr>
+              <a:lnSpc>
+                <a:spcPct val="150000"/>
+              </a:lnSpc>
+            </a:pPr>
+            <a:r>
+              <a:rPr lang="en-US" altLang="ko-KR" sz="1200" dirty="0" smtClean="0"/>
+              <a:t> &gt; </a:t>
+            </a:r>
+            <a:r>
+              <a:rPr lang="ko-KR" altLang="en-US" sz="1200" dirty="0" smtClean="0"/>
+              <a:t>트리거 는 버튼 </a:t>
+            </a:r>
+            <a:r>
+              <a:rPr lang="ko-KR" altLang="en-US" sz="1200" dirty="0" err="1" smtClean="0"/>
+              <a:t>누를시에</a:t>
+            </a:r>
+            <a:r>
+              <a:rPr lang="ko-KR" altLang="en-US" sz="1200" dirty="0" smtClean="0"/>
+              <a:t> 색깔 라이트 그레이로 변경됨</a:t>
+            </a:r>
+            <a:endParaRPr lang="en-US" altLang="ko-KR" sz="1200" dirty="0" smtClean="0"/>
+          </a:p>
+        </p:txBody>
+      </p:sp>
+      <p:pic>
+        <p:nvPicPr>
+          <p:cNvPr id="4" name="그림 3"/>
+          <p:cNvPicPr>
+            <a:picLocks noChangeAspect="1"/>
+          </p:cNvPicPr>
+          <p:nvPr/>
+        </p:nvPicPr>
+        <p:blipFill>
+          <a:blip r:embed="rId2"/>
+          <a:stretch>
+            <a:fillRect/>
+          </a:stretch>
+        </p:blipFill>
+        <p:spPr>
+          <a:xfrm>
+            <a:off x="801368" y="1089147"/>
+            <a:ext cx="6762750" cy="3114675"/>
+          </a:xfrm>
+          <a:prstGeom prst="rect">
+            <a:avLst/>
+          </a:prstGeom>
+        </p:spPr>
+      </p:pic>
+    </p:spTree>
+    <p:extLst>
+      <p:ext uri="{BB962C8B-B14F-4D97-AF65-F5344CB8AC3E}">
+        <p14:creationId xmlns:p14="http://schemas.microsoft.com/office/powerpoint/2010/main" val="1359963852"/>
+      </p:ext>
+    </p:extLst>
+  </p:cSld>
+  <p:clrMapOvr>
+    <a:masterClrMapping/>
+  </p:clrMapOvr>
+  <p:timing>
+    <p:tnLst>
+      <p:par>
+        <p:cTn id="1" dur="indefinite" restart="never" nodeType="tmRoot"/>
+      </p:par>
+    </p:tnLst>
+  </p:timing>
+</p:sld>
+</file>
+
+<file path=ppt/slides/slide14.xml><?xml version="1.0" encoding="utf-8"?>
+<p:sld xmlns:a="http://schemas.openxmlformats.org/drawingml/2006/main" xmlns:r="http://schemas.openxmlformats.org/officeDocument/2006/relationships" xmlns:p="http://schemas.openxmlformats.org/presentationml/2006/main">
+  <p:cSld>
+    <p:spTree>
+      <p:nvGrpSpPr>
+        <p:cNvPr id="1" name=""/>
+        <p:cNvGrpSpPr/>
+        <p:nvPr/>
+      </p:nvGrpSpPr>
+      <p:grpSpPr>
+        <a:xfrm>
+          <a:off x="0" y="0"/>
+          <a:ext cx="0" cy="0"/>
+          <a:chOff x="0" y="0"/>
+          <a:chExt cx="0" cy="0"/>
+        </a:xfrm>
+      </p:grpSpPr>
+      <p:sp>
+        <p:nvSpPr>
+          <p:cNvPr id="2" name="텍스트 개체 틀 1"/>
+          <p:cNvSpPr>
+            <a:spLocks noGrp="1"/>
+          </p:cNvSpPr>
+          <p:nvPr>
+            <p:ph type="body" sz="quarter" idx="10"/>
+          </p:nvPr>
+        </p:nvSpPr>
+        <p:spPr/>
+        <p:txBody>
+          <a:bodyPr/>
+          <a:lstStyle/>
+          <a:p>
+            <a:r>
+              <a:rPr lang="en-US" altLang="ko-KR" dirty="0" smtClean="0"/>
+              <a:t>UI </a:t>
+            </a:r>
+            <a:r>
+              <a:rPr lang="ko-KR" altLang="en-US" dirty="0" smtClean="0"/>
+              <a:t>구성 </a:t>
+            </a:r>
+            <a:r>
+              <a:rPr lang="en-US" altLang="ko-KR" dirty="0" smtClean="0"/>
+              <a:t>2 (</a:t>
+            </a:r>
+            <a:r>
+              <a:rPr lang="en-US" altLang="ko-KR" dirty="0" err="1" smtClean="0"/>
+              <a:t>xaml</a:t>
+            </a:r>
+            <a:r>
+              <a:rPr lang="en-US" altLang="ko-KR" dirty="0" smtClean="0"/>
+              <a:t>)</a:t>
+            </a:r>
+            <a:endParaRPr lang="ko-KR" altLang="en-US" dirty="0"/>
+          </a:p>
+        </p:txBody>
+      </p:sp>
+      <p:sp>
+        <p:nvSpPr>
+          <p:cNvPr id="16" name="텍스트 개체 틀 2"/>
+          <p:cNvSpPr>
+            <a:spLocks noGrp="1"/>
+          </p:cNvSpPr>
+          <p:nvPr>
+            <p:ph type="body" sz="quarter" idx="11"/>
+          </p:nvPr>
+        </p:nvSpPr>
+        <p:spPr>
+          <a:xfrm>
+            <a:off x="801368" y="4396153"/>
+            <a:ext cx="9019639" cy="2031023"/>
+          </a:xfrm>
+        </p:spPr>
+        <p:txBody>
+          <a:bodyPr anchor="t">
+            <a:noAutofit/>
+          </a:bodyPr>
+          <a:lstStyle/>
+          <a:p>
+            <a:pPr>
+              <a:lnSpc>
+                <a:spcPct val="150000"/>
+              </a:lnSpc>
+            </a:pPr>
+            <a:r>
+              <a:rPr lang="en-US" altLang="ko-KR" sz="1200" dirty="0"/>
+              <a:t>3</a:t>
+            </a:r>
+            <a:r>
+              <a:rPr lang="en-US" altLang="ko-KR" sz="1200" dirty="0" smtClean="0"/>
+              <a:t>. </a:t>
+            </a:r>
+            <a:r>
+              <a:rPr lang="ko-KR" altLang="en-US" sz="1200" dirty="0" smtClean="0"/>
+              <a:t>스타일 구성 </a:t>
+            </a:r>
+            <a:r>
+              <a:rPr lang="en-US" altLang="ko-KR" sz="1200" dirty="0" smtClean="0"/>
+              <a:t>3 (</a:t>
+            </a:r>
+            <a:r>
+              <a:rPr lang="ko-KR" altLang="en-US" sz="1200" dirty="0" smtClean="0"/>
+              <a:t>버튼 스타일</a:t>
+            </a:r>
+            <a:r>
+              <a:rPr lang="en-US" altLang="ko-KR" sz="1200" dirty="0" smtClean="0"/>
+              <a:t>)</a:t>
+            </a:r>
+          </a:p>
+          <a:p>
+            <a:pPr>
+              <a:lnSpc>
+                <a:spcPct val="150000"/>
+              </a:lnSpc>
+            </a:pPr>
+            <a:r>
+              <a:rPr lang="en-US" altLang="ko-KR" sz="1200" dirty="0" smtClean="0"/>
+              <a:t>  - </a:t>
+            </a:r>
+            <a:r>
+              <a:rPr lang="ko-KR" altLang="en-US" sz="1200" dirty="0" smtClean="0"/>
+              <a:t>숫자 및 네거티브</a:t>
+            </a:r>
+            <a:r>
+              <a:rPr lang="en-US" altLang="ko-KR" sz="1200" dirty="0" smtClean="0"/>
+              <a:t>, </a:t>
+            </a:r>
+            <a:r>
+              <a:rPr lang="ko-KR" altLang="en-US" sz="1200" dirty="0" smtClean="0"/>
+              <a:t>닷 버튼에 적용함</a:t>
+            </a:r>
+            <a:r>
+              <a:rPr lang="en-US" altLang="ko-KR" sz="1200" dirty="0" smtClean="0"/>
+              <a:t> </a:t>
+            </a:r>
+          </a:p>
+          <a:p>
+            <a:pPr>
+              <a:lnSpc>
+                <a:spcPct val="150000"/>
+              </a:lnSpc>
+            </a:pPr>
+            <a:r>
+              <a:rPr lang="en-US" altLang="ko-KR" sz="1200" dirty="0" smtClean="0"/>
+              <a:t>&gt; </a:t>
+            </a:r>
+            <a:r>
+              <a:rPr lang="ko-KR" altLang="en-US" sz="1200" dirty="0" smtClean="0"/>
+              <a:t>컨트롤 템플릿 활용하여 코너 라운드 </a:t>
+            </a:r>
+            <a:r>
+              <a:rPr lang="en-US" altLang="ko-KR" sz="1200" dirty="0" smtClean="0"/>
+              <a:t>3, </a:t>
+            </a:r>
+            <a:r>
+              <a:rPr lang="ko-KR" altLang="en-US" sz="1200" dirty="0" err="1" smtClean="0"/>
+              <a:t>보더</a:t>
+            </a:r>
+            <a:r>
+              <a:rPr lang="ko-KR" altLang="en-US" sz="1200" dirty="0" smtClean="0"/>
+              <a:t> 굵기 </a:t>
+            </a:r>
+            <a:r>
+              <a:rPr lang="en-US" altLang="ko-KR" sz="1200" dirty="0" smtClean="0"/>
+              <a:t>1, </a:t>
+            </a:r>
+            <a:r>
+              <a:rPr lang="ko-KR" altLang="en-US" sz="1200" dirty="0" err="1" smtClean="0"/>
+              <a:t>보더</a:t>
+            </a:r>
+            <a:r>
+              <a:rPr lang="ko-KR" altLang="en-US" sz="1200" dirty="0" smtClean="0"/>
+              <a:t> 색깔은 </a:t>
+            </a:r>
+            <a:r>
+              <a:rPr lang="ko-KR" altLang="en-US" sz="1200" dirty="0" err="1" smtClean="0"/>
+              <a:t>다크</a:t>
+            </a:r>
+            <a:r>
+              <a:rPr lang="ko-KR" altLang="en-US" sz="1200" dirty="0" smtClean="0"/>
+              <a:t> 그레이 적용</a:t>
+            </a:r>
+            <a:endParaRPr lang="en-US" altLang="ko-KR" sz="1200" dirty="0" smtClean="0"/>
+          </a:p>
+          <a:p>
+            <a:pPr>
+              <a:lnSpc>
+                <a:spcPct val="150000"/>
+              </a:lnSpc>
+            </a:pPr>
+            <a:r>
+              <a:rPr lang="en-US" altLang="ko-KR" sz="1200" dirty="0" smtClean="0"/>
+              <a:t> &gt; </a:t>
+            </a:r>
+            <a:r>
+              <a:rPr lang="ko-KR" altLang="en-US" sz="1200" dirty="0" err="1" smtClean="0"/>
+              <a:t>프레젠터는</a:t>
+            </a:r>
+            <a:r>
+              <a:rPr lang="ko-KR" altLang="en-US" sz="1200" dirty="0" smtClean="0"/>
+              <a:t> 중앙 적용</a:t>
+            </a:r>
+            <a:r>
+              <a:rPr lang="en-US" altLang="ko-KR" sz="1200" dirty="0" smtClean="0"/>
+              <a:t>, </a:t>
+            </a:r>
+            <a:r>
+              <a:rPr lang="ko-KR" altLang="en-US" sz="1200" dirty="0" smtClean="0"/>
+              <a:t>기본 백그라운드를 화이트로 변경</a:t>
+            </a:r>
+            <a:endParaRPr lang="en-US" altLang="ko-KR" sz="1200" dirty="0"/>
+          </a:p>
+          <a:p>
+            <a:pPr>
+              <a:lnSpc>
+                <a:spcPct val="150000"/>
+              </a:lnSpc>
+            </a:pPr>
+            <a:r>
+              <a:rPr lang="en-US" altLang="ko-KR" sz="1200" dirty="0" smtClean="0"/>
+              <a:t> &gt; </a:t>
+            </a:r>
+            <a:r>
+              <a:rPr lang="ko-KR" altLang="en-US" sz="1200" dirty="0" smtClean="0"/>
+              <a:t>트리거 는 버튼 </a:t>
+            </a:r>
+            <a:r>
+              <a:rPr lang="ko-KR" altLang="en-US" sz="1200" dirty="0" err="1" smtClean="0"/>
+              <a:t>누를시에</a:t>
+            </a:r>
+            <a:r>
+              <a:rPr lang="ko-KR" altLang="en-US" sz="1200" dirty="0" smtClean="0"/>
+              <a:t> 색깔 라이트 그레이로 변경됨</a:t>
+            </a:r>
+            <a:endParaRPr lang="en-US" altLang="ko-KR" sz="1200" dirty="0" smtClean="0"/>
+          </a:p>
+        </p:txBody>
+      </p:sp>
+      <p:pic>
+        <p:nvPicPr>
+          <p:cNvPr id="3" name="그림 2"/>
+          <p:cNvPicPr>
+            <a:picLocks noChangeAspect="1"/>
+          </p:cNvPicPr>
+          <p:nvPr/>
+        </p:nvPicPr>
+        <p:blipFill>
+          <a:blip r:embed="rId2"/>
+          <a:stretch>
+            <a:fillRect/>
+          </a:stretch>
+        </p:blipFill>
+        <p:spPr>
+          <a:xfrm>
+            <a:off x="801368" y="1173427"/>
+            <a:ext cx="7972425" cy="2781300"/>
+          </a:xfrm>
+          <a:prstGeom prst="rect">
+            <a:avLst/>
+          </a:prstGeom>
+        </p:spPr>
+      </p:pic>
+    </p:spTree>
+    <p:extLst>
+      <p:ext uri="{BB962C8B-B14F-4D97-AF65-F5344CB8AC3E}">
+        <p14:creationId xmlns:p14="http://schemas.microsoft.com/office/powerpoint/2010/main" val="3654083209"/>
+      </p:ext>
+    </p:extLst>
+  </p:cSld>
+  <p:clrMapOvr>
+    <a:masterClrMapping/>
+  </p:clrMapOvr>
+  <p:timing>
+    <p:tnLst>
+      <p:par>
+        <p:cTn id="1" dur="indefinite" restart="never" nodeType="tmRoot"/>
+      </p:par>
+    </p:tnLst>
+  </p:timing>
+</p:sld>
+</file>
+
+<file path=ppt/slides/slide15.xml><?xml version="1.0" encoding="utf-8"?>
+<p:sld xmlns:a="http://schemas.openxmlformats.org/drawingml/2006/main" xmlns:r="http://schemas.openxmlformats.org/officeDocument/2006/relationships" xmlns:p="http://schemas.openxmlformats.org/presentationml/2006/main">
+  <p:cSld>
+    <p:spTree>
+      <p:nvGrpSpPr>
+        <p:cNvPr id="1" name=""/>
+        <p:cNvGrpSpPr/>
+        <p:nvPr/>
+      </p:nvGrpSpPr>
+      <p:grpSpPr>
+        <a:xfrm>
+          <a:off x="0" y="0"/>
+          <a:ext cx="0" cy="0"/>
+          <a:chOff x="0" y="0"/>
+          <a:chExt cx="0" cy="0"/>
+        </a:xfrm>
+      </p:grpSpPr>
+      <p:sp>
+        <p:nvSpPr>
+          <p:cNvPr id="2" name="텍스트 개체 틀 1"/>
+          <p:cNvSpPr>
+            <a:spLocks noGrp="1"/>
+          </p:cNvSpPr>
+          <p:nvPr>
+            <p:ph type="body" sz="quarter" idx="10"/>
+          </p:nvPr>
+        </p:nvSpPr>
+        <p:spPr/>
+        <p:txBody>
+          <a:bodyPr/>
+          <a:lstStyle/>
+          <a:p>
+            <a:r>
+              <a:rPr lang="en-US" altLang="ko-KR" dirty="0" smtClean="0"/>
+              <a:t>UI </a:t>
+            </a:r>
+            <a:r>
+              <a:rPr lang="ko-KR" altLang="en-US" dirty="0" smtClean="0"/>
+              <a:t>구성 </a:t>
+            </a:r>
+            <a:r>
+              <a:rPr lang="en-US" altLang="ko-KR" dirty="0" smtClean="0"/>
+              <a:t>2 (</a:t>
+            </a:r>
+            <a:r>
+              <a:rPr lang="en-US" altLang="ko-KR" dirty="0" err="1" smtClean="0"/>
+              <a:t>xaml</a:t>
+            </a:r>
+            <a:r>
+              <a:rPr lang="en-US" altLang="ko-KR" dirty="0" smtClean="0"/>
+              <a:t>)</a:t>
+            </a:r>
+            <a:endParaRPr lang="ko-KR" altLang="en-US" dirty="0"/>
+          </a:p>
+        </p:txBody>
+      </p:sp>
+      <p:sp>
+        <p:nvSpPr>
+          <p:cNvPr id="16" name="텍스트 개체 틀 2"/>
+          <p:cNvSpPr>
+            <a:spLocks noGrp="1"/>
+          </p:cNvSpPr>
+          <p:nvPr>
+            <p:ph type="body" sz="quarter" idx="11"/>
+          </p:nvPr>
+        </p:nvSpPr>
+        <p:spPr>
+          <a:xfrm>
+            <a:off x="801368" y="4396153"/>
+            <a:ext cx="9019639" cy="2031023"/>
+          </a:xfrm>
+        </p:spPr>
+        <p:txBody>
+          <a:bodyPr anchor="t">
+            <a:noAutofit/>
+          </a:bodyPr>
+          <a:lstStyle/>
+          <a:p>
+            <a:pPr>
+              <a:lnSpc>
+                <a:spcPct val="150000"/>
+              </a:lnSpc>
+            </a:pPr>
+            <a:r>
+              <a:rPr lang="en-US" altLang="ko-KR" sz="1200" dirty="0"/>
+              <a:t>3</a:t>
+            </a:r>
+            <a:r>
+              <a:rPr lang="en-US" altLang="ko-KR" sz="1200" dirty="0" smtClean="0"/>
+              <a:t>. </a:t>
+            </a:r>
+            <a:r>
+              <a:rPr lang="ko-KR" altLang="en-US" sz="1200" dirty="0" smtClean="0"/>
+              <a:t>스타일 구성 </a:t>
+            </a:r>
+            <a:r>
+              <a:rPr lang="en-US" altLang="ko-KR" sz="1200" dirty="0"/>
+              <a:t>4</a:t>
+            </a:r>
+            <a:r>
+              <a:rPr lang="en-US" altLang="ko-KR" sz="1200" dirty="0" smtClean="0"/>
+              <a:t> (</a:t>
+            </a:r>
+            <a:r>
+              <a:rPr lang="ko-KR" altLang="en-US" sz="1200" dirty="0" smtClean="0"/>
+              <a:t>그리드 뷰</a:t>
+            </a:r>
+            <a:r>
+              <a:rPr lang="en-US" altLang="ko-KR" sz="1200" dirty="0" smtClean="0"/>
+              <a:t>)</a:t>
+            </a:r>
+          </a:p>
+          <a:p>
+            <a:pPr>
+              <a:lnSpc>
+                <a:spcPct val="150000"/>
+              </a:lnSpc>
+            </a:pPr>
+            <a:r>
+              <a:rPr lang="en-US" altLang="ko-KR" sz="1200" dirty="0" smtClean="0"/>
+              <a:t>  - </a:t>
+            </a:r>
+            <a:r>
+              <a:rPr lang="ko-KR" altLang="en-US" sz="1200" dirty="0" smtClean="0"/>
+              <a:t>탭 시트의 그리드 뷰에 적용</a:t>
+            </a:r>
+            <a:endParaRPr lang="en-US" altLang="ko-KR" sz="1200" dirty="0" smtClean="0"/>
+          </a:p>
+          <a:p>
+            <a:pPr>
+              <a:lnSpc>
+                <a:spcPct val="150000"/>
+              </a:lnSpc>
+            </a:pPr>
+            <a:r>
+              <a:rPr lang="en-US" altLang="ko-KR" sz="1200" dirty="0" smtClean="0"/>
+              <a:t>&gt; </a:t>
+            </a:r>
+            <a:r>
+              <a:rPr lang="ko-KR" altLang="en-US" sz="1200" dirty="0" smtClean="0"/>
+              <a:t>탭 시트의 </a:t>
+            </a:r>
+            <a:r>
+              <a:rPr lang="en-US" altLang="ko-KR" sz="1200" dirty="0" smtClean="0"/>
+              <a:t>Header</a:t>
+            </a:r>
+            <a:r>
+              <a:rPr lang="ko-KR" altLang="en-US" sz="1200" dirty="0" smtClean="0"/>
+              <a:t>를 지우기 위함</a:t>
+            </a:r>
+            <a:endParaRPr lang="en-US" altLang="ko-KR" sz="1200" dirty="0" smtClean="0"/>
+          </a:p>
+        </p:txBody>
+      </p:sp>
+      <p:pic>
+        <p:nvPicPr>
+          <p:cNvPr id="4" name="그림 3"/>
+          <p:cNvPicPr>
+            <a:picLocks noChangeAspect="1"/>
+          </p:cNvPicPr>
+          <p:nvPr/>
+        </p:nvPicPr>
+        <p:blipFill>
+          <a:blip r:embed="rId2"/>
+          <a:stretch>
+            <a:fillRect/>
+          </a:stretch>
+        </p:blipFill>
+        <p:spPr>
+          <a:xfrm>
+            <a:off x="1321840" y="2450594"/>
+            <a:ext cx="4248150" cy="476250"/>
+          </a:xfrm>
+          <a:prstGeom prst="rect">
+            <a:avLst/>
+          </a:prstGeom>
+        </p:spPr>
+      </p:pic>
+    </p:spTree>
+    <p:extLst>
+      <p:ext uri="{BB962C8B-B14F-4D97-AF65-F5344CB8AC3E}">
+        <p14:creationId xmlns:p14="http://schemas.microsoft.com/office/powerpoint/2010/main" val="1547057265"/>
+      </p:ext>
+    </p:extLst>
+  </p:cSld>
+  <p:clrMapOvr>
+    <a:masterClrMapping/>
+  </p:clrMapOvr>
+  <p:timing>
+    <p:tnLst>
+      <p:par>
+        <p:cTn id="1" dur="indefinite" restart="never" nodeType="tmRoot"/>
+      </p:par>
+    </p:tnLst>
+  </p:timing>
+</p:sld>
+</file>
+
+<file path=ppt/slides/slide16.xml><?xml version="1.0" encoding="utf-8"?>
+<p:sld xmlns:a="http://schemas.openxmlformats.org/drawingml/2006/main" xmlns:r="http://schemas.openxmlformats.org/officeDocument/2006/relationships" xmlns:p="http://schemas.openxmlformats.org/presentationml/2006/main">
+  <p:cSld>
+    <p:spTree>
+      <p:nvGrpSpPr>
+        <p:cNvPr id="1" name=""/>
+        <p:cNvGrpSpPr/>
+        <p:nvPr/>
+      </p:nvGrpSpPr>
+      <p:grpSpPr>
+        <a:xfrm>
+          <a:off x="0" y="0"/>
+          <a:ext cx="0" cy="0"/>
+          <a:chOff x="0" y="0"/>
+          <a:chExt cx="0" cy="0"/>
+        </a:xfrm>
+      </p:grpSpPr>
+      <p:sp>
+        <p:nvSpPr>
+          <p:cNvPr id="2" name="텍스트 개체 틀 1"/>
+          <p:cNvSpPr>
+            <a:spLocks noGrp="1"/>
+          </p:cNvSpPr>
+          <p:nvPr>
+            <p:ph type="body" sz="quarter" idx="10"/>
+          </p:nvPr>
+        </p:nvSpPr>
+        <p:spPr/>
+        <p:txBody>
+          <a:bodyPr/>
+          <a:lstStyle/>
+          <a:p>
+            <a:r>
+              <a:rPr lang="en-US" altLang="ko-KR" dirty="0" smtClean="0"/>
+              <a:t>UI </a:t>
+            </a:r>
+            <a:r>
+              <a:rPr lang="ko-KR" altLang="en-US" dirty="0" smtClean="0"/>
+              <a:t>구성 </a:t>
+            </a:r>
+            <a:r>
+              <a:rPr lang="en-US" altLang="ko-KR" dirty="0"/>
+              <a:t>3</a:t>
+            </a:r>
+            <a:r>
+              <a:rPr lang="en-US" altLang="ko-KR" dirty="0" smtClean="0"/>
+              <a:t> (</a:t>
+            </a:r>
+            <a:r>
+              <a:rPr lang="ko-KR" altLang="en-US" dirty="0" smtClean="0"/>
+              <a:t>바인딩</a:t>
+            </a:r>
+            <a:r>
+              <a:rPr lang="en-US" altLang="ko-KR" dirty="0" smtClean="0"/>
+              <a:t>)</a:t>
+            </a:r>
+            <a:endParaRPr lang="ko-KR" altLang="en-US" dirty="0"/>
+          </a:p>
+        </p:txBody>
+      </p:sp>
+      <p:sp>
+        <p:nvSpPr>
+          <p:cNvPr id="16" name="텍스트 개체 틀 2"/>
+          <p:cNvSpPr>
+            <a:spLocks noGrp="1"/>
+          </p:cNvSpPr>
+          <p:nvPr>
+            <p:ph type="body" sz="quarter" idx="11"/>
+          </p:nvPr>
+        </p:nvSpPr>
+        <p:spPr>
+          <a:xfrm>
+            <a:off x="801368" y="4396153"/>
+            <a:ext cx="9019639" cy="2031023"/>
+          </a:xfrm>
+        </p:spPr>
+        <p:txBody>
+          <a:bodyPr anchor="t">
+            <a:noAutofit/>
+          </a:bodyPr>
+          <a:lstStyle/>
+          <a:p>
+            <a:pPr>
+              <a:lnSpc>
+                <a:spcPct val="150000"/>
+              </a:lnSpc>
+            </a:pPr>
+            <a:r>
+              <a:rPr lang="en-US" altLang="ko-KR" sz="1200" dirty="0"/>
+              <a:t>1</a:t>
+            </a:r>
+            <a:r>
+              <a:rPr lang="en-US" altLang="ko-KR" sz="1200" dirty="0" smtClean="0"/>
+              <a:t>. </a:t>
+            </a:r>
+            <a:r>
+              <a:rPr lang="ko-KR" altLang="en-US" sz="1200" dirty="0" smtClean="0"/>
+              <a:t>바인딩 </a:t>
+            </a:r>
+            <a:r>
+              <a:rPr lang="ko-KR" altLang="en-US" sz="1200" dirty="0" smtClean="0"/>
+              <a:t>구성 </a:t>
+            </a:r>
+            <a:r>
+              <a:rPr lang="en-US" altLang="ko-KR" sz="1200" dirty="0" smtClean="0"/>
+              <a:t> </a:t>
+            </a:r>
+            <a:r>
+              <a:rPr lang="en-US" altLang="ko-KR" sz="1200" dirty="0" smtClean="0"/>
+              <a:t>(</a:t>
+            </a:r>
+            <a:r>
+              <a:rPr lang="ko-KR" altLang="en-US" sz="1200" dirty="0" smtClean="0"/>
+              <a:t>그리드 뷰</a:t>
+            </a:r>
+            <a:r>
+              <a:rPr lang="en-US" altLang="ko-KR" sz="1200" dirty="0" smtClean="0"/>
+              <a:t>) </a:t>
+            </a:r>
+          </a:p>
+          <a:p>
+            <a:pPr>
+              <a:lnSpc>
+                <a:spcPct val="150000"/>
+              </a:lnSpc>
+            </a:pPr>
+            <a:r>
+              <a:rPr lang="en-US" altLang="ko-KR" sz="1200" dirty="0" smtClean="0"/>
+              <a:t>&gt; </a:t>
+            </a:r>
+            <a:r>
+              <a:rPr lang="ko-KR" altLang="en-US" sz="1200" dirty="0" smtClean="0"/>
+              <a:t>각각의 메모리</a:t>
+            </a:r>
+            <a:r>
+              <a:rPr lang="en-US" altLang="ko-KR" sz="1200" dirty="0" smtClean="0"/>
+              <a:t>, </a:t>
+            </a:r>
+            <a:r>
+              <a:rPr lang="ko-KR" altLang="en-US" sz="1200" dirty="0" err="1" smtClean="0"/>
+              <a:t>히스토리</a:t>
+            </a:r>
+            <a:r>
+              <a:rPr lang="ko-KR" altLang="en-US" sz="1200" dirty="0" smtClean="0"/>
+              <a:t> 모델을 디스플레이 멤버 바인딩을 통하여 바인딩 하였음</a:t>
+            </a:r>
+            <a:r>
+              <a:rPr lang="en-US" altLang="ko-KR" sz="1200" dirty="0" smtClean="0"/>
+              <a:t>.</a:t>
+            </a:r>
+          </a:p>
+          <a:p>
+            <a:pPr>
+              <a:lnSpc>
+                <a:spcPct val="150000"/>
+              </a:lnSpc>
+            </a:pPr>
+            <a:r>
+              <a:rPr lang="en-US" altLang="ko-KR" sz="1200" dirty="0" smtClean="0"/>
+              <a:t>&gt; </a:t>
+            </a:r>
+            <a:r>
+              <a:rPr lang="ko-KR" altLang="en-US" sz="1200" dirty="0" smtClean="0"/>
+              <a:t>이후 </a:t>
+            </a:r>
+            <a:r>
+              <a:rPr lang="ko-KR" altLang="en-US" sz="1200" dirty="0" err="1" smtClean="0"/>
+              <a:t>옵저블</a:t>
+            </a:r>
+            <a:r>
+              <a:rPr lang="ko-KR" altLang="en-US" sz="1200" dirty="0" smtClean="0"/>
+              <a:t> </a:t>
+            </a:r>
+            <a:r>
+              <a:rPr lang="ko-KR" altLang="en-US" sz="1200" dirty="0" err="1" smtClean="0"/>
+              <a:t>콜렉션을</a:t>
+            </a:r>
+            <a:r>
+              <a:rPr lang="ko-KR" altLang="en-US" sz="1200" dirty="0" smtClean="0"/>
+              <a:t> 통해서 </a:t>
+            </a:r>
+            <a:r>
+              <a:rPr lang="ko-KR" altLang="en-US" sz="1200" dirty="0" err="1" smtClean="0"/>
+              <a:t>프로퍼티</a:t>
+            </a:r>
+            <a:r>
+              <a:rPr lang="ko-KR" altLang="en-US" sz="1200" dirty="0" smtClean="0"/>
+              <a:t> </a:t>
+            </a:r>
+            <a:r>
+              <a:rPr lang="ko-KR" altLang="en-US" sz="1200" dirty="0" err="1" smtClean="0"/>
+              <a:t>변경시에</a:t>
+            </a:r>
+            <a:r>
+              <a:rPr lang="ko-KR" altLang="en-US" sz="1200" dirty="0" smtClean="0"/>
+              <a:t> 자동으로 데이터가 표시가능해짐</a:t>
+            </a:r>
+            <a:r>
+              <a:rPr lang="en-US" altLang="ko-KR" sz="1200" dirty="0" smtClean="0"/>
+              <a:t> </a:t>
+            </a:r>
+            <a:endParaRPr lang="en-US" altLang="ko-KR" sz="1200" dirty="0" smtClean="0"/>
+          </a:p>
+        </p:txBody>
+      </p:sp>
+      <p:pic>
+        <p:nvPicPr>
+          <p:cNvPr id="3" name="그림 2"/>
+          <p:cNvPicPr>
+            <a:picLocks noChangeAspect="1"/>
+          </p:cNvPicPr>
+          <p:nvPr/>
+        </p:nvPicPr>
+        <p:blipFill>
+          <a:blip r:embed="rId2"/>
+          <a:stretch>
+            <a:fillRect/>
+          </a:stretch>
+        </p:blipFill>
+        <p:spPr>
+          <a:xfrm>
+            <a:off x="740408" y="1171658"/>
+            <a:ext cx="5314950" cy="2924175"/>
+          </a:xfrm>
+          <a:prstGeom prst="rect">
+            <a:avLst/>
+          </a:prstGeom>
+        </p:spPr>
+      </p:pic>
+    </p:spTree>
+    <p:extLst>
+      <p:ext uri="{BB962C8B-B14F-4D97-AF65-F5344CB8AC3E}">
+        <p14:creationId xmlns:p14="http://schemas.microsoft.com/office/powerpoint/2010/main" val="305583448"/>
+      </p:ext>
+    </p:extLst>
+  </p:cSld>
+  <p:clrMapOvr>
+    <a:masterClrMapping/>
+  </p:clrMapOvr>
+  <p:timing>
+    <p:tnLst>
+      <p:par>
+        <p:cTn id="1" dur="indefinite" restart="never" nodeType="tmRoot"/>
+      </p:par>
+    </p:tnLst>
+  </p:timing>
+</p:sld>
+</file>
+
+<file path=ppt/slides/slide17.xml><?xml version="1.0" encoding="utf-8"?>
+<p:sld xmlns:a="http://schemas.openxmlformats.org/drawingml/2006/main" xmlns:r="http://schemas.openxmlformats.org/officeDocument/2006/relationships" xmlns:p="http://schemas.openxmlformats.org/presentationml/2006/main">
+  <p:cSld>
+    <p:spTree>
+      <p:nvGrpSpPr>
+        <p:cNvPr id="1" name=""/>
+        <p:cNvGrpSpPr/>
+        <p:nvPr/>
+      </p:nvGrpSpPr>
+      <p:grpSpPr>
+        <a:xfrm>
+          <a:off x="0" y="0"/>
+          <a:ext cx="0" cy="0"/>
+          <a:chOff x="0" y="0"/>
+          <a:chExt cx="0" cy="0"/>
+        </a:xfrm>
+      </p:grpSpPr>
+      <p:sp>
+        <p:nvSpPr>
+          <p:cNvPr id="2" name="텍스트 개체 틀 1"/>
+          <p:cNvSpPr>
+            <a:spLocks noGrp="1"/>
+          </p:cNvSpPr>
+          <p:nvPr>
+            <p:ph type="body" sz="quarter" idx="10"/>
+          </p:nvPr>
+        </p:nvSpPr>
+        <p:spPr/>
+        <p:txBody>
+          <a:bodyPr/>
+          <a:lstStyle/>
+          <a:p>
+            <a:r>
+              <a:rPr lang="en-US" altLang="ko-KR" dirty="0" smtClean="0"/>
+              <a:t>UI </a:t>
+            </a:r>
+            <a:r>
+              <a:rPr lang="ko-KR" altLang="en-US" dirty="0" smtClean="0"/>
+              <a:t>구성 </a:t>
+            </a:r>
+            <a:r>
+              <a:rPr lang="en-US" altLang="ko-KR" dirty="0"/>
+              <a:t>3</a:t>
+            </a:r>
+            <a:r>
+              <a:rPr lang="en-US" altLang="ko-KR" dirty="0" smtClean="0"/>
+              <a:t> (</a:t>
+            </a:r>
+            <a:r>
+              <a:rPr lang="ko-KR" altLang="en-US" dirty="0" smtClean="0"/>
+              <a:t>바인딩</a:t>
+            </a:r>
+            <a:r>
+              <a:rPr lang="en-US" altLang="ko-KR" dirty="0" smtClean="0"/>
+              <a:t>)</a:t>
+            </a:r>
+            <a:endParaRPr lang="ko-KR" altLang="en-US" dirty="0"/>
+          </a:p>
+        </p:txBody>
+      </p:sp>
+      <p:pic>
+        <p:nvPicPr>
+          <p:cNvPr id="4" name="그림 3"/>
+          <p:cNvPicPr>
+            <a:picLocks noChangeAspect="1"/>
+          </p:cNvPicPr>
+          <p:nvPr/>
+        </p:nvPicPr>
+        <p:blipFill>
+          <a:blip r:embed="rId2"/>
+          <a:stretch>
+            <a:fillRect/>
+          </a:stretch>
+        </p:blipFill>
+        <p:spPr>
+          <a:xfrm>
+            <a:off x="358895" y="1395768"/>
+            <a:ext cx="5867734" cy="371475"/>
+          </a:xfrm>
+          <a:prstGeom prst="rect">
+            <a:avLst/>
+          </a:prstGeom>
+        </p:spPr>
+      </p:pic>
+      <p:sp>
+        <p:nvSpPr>
+          <p:cNvPr id="9" name="텍스트 개체 틀 2"/>
+          <p:cNvSpPr>
+            <a:spLocks noGrp="1"/>
+          </p:cNvSpPr>
+          <p:nvPr>
+            <p:ph type="body" sz="quarter" idx="11"/>
+          </p:nvPr>
+        </p:nvSpPr>
+        <p:spPr>
+          <a:xfrm>
+            <a:off x="485333" y="2184177"/>
+            <a:ext cx="9019639" cy="1386337"/>
+          </a:xfrm>
+        </p:spPr>
+        <p:txBody>
+          <a:bodyPr anchor="t">
+            <a:noAutofit/>
+          </a:bodyPr>
+          <a:lstStyle/>
+          <a:p>
+            <a:pPr>
+              <a:lnSpc>
+                <a:spcPct val="150000"/>
+              </a:lnSpc>
+            </a:pPr>
+            <a:r>
+              <a:rPr lang="en-US" altLang="ko-KR" sz="1200" dirty="0"/>
+              <a:t>2</a:t>
+            </a:r>
+            <a:r>
+              <a:rPr lang="en-US" altLang="ko-KR" sz="1200" dirty="0" smtClean="0"/>
+              <a:t>. </a:t>
+            </a:r>
+            <a:r>
+              <a:rPr lang="ko-KR" altLang="en-US" sz="1200" dirty="0" smtClean="0"/>
+              <a:t>바인딩 </a:t>
+            </a:r>
+            <a:r>
+              <a:rPr lang="ko-KR" altLang="en-US" sz="1200" dirty="0" smtClean="0"/>
+              <a:t>구성 </a:t>
+            </a:r>
+            <a:r>
+              <a:rPr lang="en-US" altLang="ko-KR" sz="1200" dirty="0" smtClean="0"/>
+              <a:t> (</a:t>
+            </a:r>
+            <a:r>
+              <a:rPr lang="ko-KR" altLang="en-US" sz="1200" dirty="0" smtClean="0"/>
+              <a:t>텍스트 </a:t>
+            </a:r>
+            <a:r>
+              <a:rPr lang="ko-KR" altLang="en-US" sz="1200" dirty="0" err="1" smtClean="0"/>
+              <a:t>블럭</a:t>
+            </a:r>
+            <a:r>
+              <a:rPr lang="en-US" altLang="ko-KR" sz="1200" dirty="0" smtClean="0"/>
+              <a:t>) </a:t>
+            </a:r>
+          </a:p>
+          <a:p>
+            <a:pPr>
+              <a:lnSpc>
+                <a:spcPct val="150000"/>
+              </a:lnSpc>
+            </a:pPr>
+            <a:r>
+              <a:rPr lang="en-US" altLang="ko-KR" sz="1200" dirty="0" smtClean="0"/>
+              <a:t>&gt; </a:t>
+            </a:r>
+            <a:r>
+              <a:rPr lang="ko-KR" altLang="en-US" sz="1200" dirty="0" smtClean="0"/>
+              <a:t>테스트 블록을 사용하여 결과값과 </a:t>
+            </a:r>
+            <a:r>
+              <a:rPr lang="ko-KR" altLang="en-US" sz="1200" dirty="0" err="1" smtClean="0"/>
+              <a:t>입력값을</a:t>
+            </a:r>
+            <a:r>
+              <a:rPr lang="ko-KR" altLang="en-US" sz="1200" dirty="0" smtClean="0"/>
+              <a:t> 바인딩하여 해당 </a:t>
+            </a:r>
+            <a:r>
+              <a:rPr lang="ko-KR" altLang="en-US" sz="1200" dirty="0" err="1" smtClean="0"/>
+              <a:t>프로퍼티</a:t>
+            </a:r>
+            <a:r>
+              <a:rPr lang="ko-KR" altLang="en-US" sz="1200" dirty="0" smtClean="0"/>
+              <a:t> </a:t>
+            </a:r>
+            <a:r>
+              <a:rPr lang="ko-KR" altLang="en-US" sz="1200" dirty="0" err="1" smtClean="0"/>
+              <a:t>변경시에</a:t>
+            </a:r>
+            <a:r>
+              <a:rPr lang="ko-KR" altLang="en-US" sz="1200" dirty="0" smtClean="0"/>
+              <a:t> 출력되게 하였음</a:t>
+            </a:r>
+            <a:r>
+              <a:rPr lang="en-US" altLang="ko-KR" sz="1200" dirty="0" smtClean="0"/>
+              <a:t>.</a:t>
+            </a:r>
+          </a:p>
+        </p:txBody>
+      </p:sp>
+      <p:pic>
+        <p:nvPicPr>
+          <p:cNvPr id="8" name="그림 7"/>
+          <p:cNvPicPr>
+            <a:picLocks noChangeAspect="1"/>
+          </p:cNvPicPr>
+          <p:nvPr/>
+        </p:nvPicPr>
+        <p:blipFill>
+          <a:blip r:embed="rId3"/>
+          <a:stretch>
+            <a:fillRect/>
+          </a:stretch>
+        </p:blipFill>
+        <p:spPr>
+          <a:xfrm>
+            <a:off x="358895" y="3919925"/>
+            <a:ext cx="6667500" cy="590550"/>
+          </a:xfrm>
+          <a:prstGeom prst="rect">
+            <a:avLst/>
+          </a:prstGeom>
+        </p:spPr>
+      </p:pic>
+      <p:sp>
+        <p:nvSpPr>
+          <p:cNvPr id="11" name="텍스트 개체 틀 2"/>
+          <p:cNvSpPr>
+            <a:spLocks noGrp="1"/>
+          </p:cNvSpPr>
+          <p:nvPr>
+            <p:ph type="body" sz="quarter" idx="11"/>
+          </p:nvPr>
+        </p:nvSpPr>
+        <p:spPr>
+          <a:xfrm>
+            <a:off x="485333" y="4722725"/>
+            <a:ext cx="9019639" cy="1386337"/>
+          </a:xfrm>
+        </p:spPr>
+        <p:txBody>
+          <a:bodyPr anchor="t">
+            <a:noAutofit/>
+          </a:bodyPr>
+          <a:lstStyle/>
+          <a:p>
+            <a:pPr>
+              <a:lnSpc>
+                <a:spcPct val="150000"/>
+              </a:lnSpc>
+            </a:pPr>
+            <a:r>
+              <a:rPr lang="en-US" altLang="ko-KR" sz="1200" dirty="0"/>
+              <a:t>3</a:t>
+            </a:r>
+            <a:r>
+              <a:rPr lang="en-US" altLang="ko-KR" sz="1200" dirty="0" smtClean="0"/>
+              <a:t>. </a:t>
+            </a:r>
+            <a:r>
+              <a:rPr lang="ko-KR" altLang="en-US" sz="1200" dirty="0" smtClean="0"/>
+              <a:t>바인딩 </a:t>
+            </a:r>
+            <a:r>
+              <a:rPr lang="ko-KR" altLang="en-US" sz="1200" dirty="0" smtClean="0"/>
+              <a:t>구성 </a:t>
+            </a:r>
+            <a:r>
+              <a:rPr lang="en-US" altLang="ko-KR" sz="1200" dirty="0" smtClean="0"/>
+              <a:t> (</a:t>
+            </a:r>
+            <a:r>
+              <a:rPr lang="ko-KR" altLang="en-US" sz="1200" dirty="0" smtClean="0"/>
+              <a:t>메모리 기능 버튼</a:t>
+            </a:r>
+            <a:r>
+              <a:rPr lang="en-US" altLang="ko-KR" sz="1200" dirty="0" smtClean="0"/>
+              <a:t>) </a:t>
+            </a:r>
+          </a:p>
+          <a:p>
+            <a:pPr>
+              <a:lnSpc>
+                <a:spcPct val="150000"/>
+              </a:lnSpc>
+            </a:pPr>
+            <a:r>
+              <a:rPr lang="en-US" altLang="ko-KR" sz="1200" dirty="0" smtClean="0"/>
+              <a:t>&gt; </a:t>
+            </a:r>
+            <a:r>
+              <a:rPr lang="ko-KR" altLang="en-US" sz="1200" dirty="0" smtClean="0"/>
+              <a:t>커맨드를 바인딩하여 </a:t>
+            </a:r>
+            <a:r>
+              <a:rPr lang="ko-KR" altLang="en-US" sz="1200" dirty="0" err="1" smtClean="0"/>
+              <a:t>클릭시</a:t>
+            </a:r>
+            <a:r>
+              <a:rPr lang="ko-KR" altLang="en-US" sz="1200" dirty="0" smtClean="0"/>
+              <a:t> </a:t>
+            </a:r>
+            <a:r>
+              <a:rPr lang="ko-KR" altLang="en-US" sz="1200" dirty="0" err="1" smtClean="0"/>
+              <a:t>뷰모델에</a:t>
+            </a:r>
+            <a:r>
+              <a:rPr lang="ko-KR" altLang="en-US" sz="1200" dirty="0" smtClean="0"/>
+              <a:t> 작성된 기능을 실행하도록 하였음</a:t>
+            </a:r>
+            <a:r>
+              <a:rPr lang="en-US" altLang="ko-KR" sz="1200" dirty="0" smtClean="0"/>
+              <a:t>. </a:t>
+            </a:r>
+          </a:p>
+        </p:txBody>
+      </p:sp>
+    </p:spTree>
+    <p:extLst>
+      <p:ext uri="{BB962C8B-B14F-4D97-AF65-F5344CB8AC3E}">
+        <p14:creationId xmlns:p14="http://schemas.microsoft.com/office/powerpoint/2010/main" val="1106185402"/>
+      </p:ext>
+    </p:extLst>
+  </p:cSld>
+  <p:clrMapOvr>
+    <a:masterClrMapping/>
+  </p:clrMapOvr>
+  <p:timing>
+    <p:tnLst>
+      <p:par>
+        <p:cTn id="1" dur="indefinite" restart="never" nodeType="tmRoot"/>
+      </p:par>
+    </p:tnLst>
+  </p:timing>
+</p:sld>
+</file>
+
+<file path=ppt/slides/slide18.xml><?xml version="1.0" encoding="utf-8"?>
+<p:sld xmlns:a="http://schemas.openxmlformats.org/drawingml/2006/main" xmlns:r="http://schemas.openxmlformats.org/officeDocument/2006/relationships" xmlns:p="http://schemas.openxmlformats.org/presentationml/2006/main">
+  <p:cSld>
+    <p:spTree>
+      <p:nvGrpSpPr>
+        <p:cNvPr id="1" name=""/>
+        <p:cNvGrpSpPr/>
+        <p:nvPr/>
+      </p:nvGrpSpPr>
+      <p:grpSpPr>
+        <a:xfrm>
+          <a:off x="0" y="0"/>
+          <a:ext cx="0" cy="0"/>
+          <a:chOff x="0" y="0"/>
+          <a:chExt cx="0" cy="0"/>
+        </a:xfrm>
+      </p:grpSpPr>
+      <p:sp>
+        <p:nvSpPr>
+          <p:cNvPr id="2" name="텍스트 개체 틀 1"/>
+          <p:cNvSpPr>
+            <a:spLocks noGrp="1"/>
+          </p:cNvSpPr>
+          <p:nvPr>
+            <p:ph type="body" sz="quarter" idx="10"/>
+          </p:nvPr>
+        </p:nvSpPr>
+        <p:spPr/>
+        <p:txBody>
+          <a:bodyPr/>
+          <a:lstStyle/>
+          <a:p>
+            <a:r>
+              <a:rPr lang="en-US" altLang="ko-KR" dirty="0" smtClean="0"/>
+              <a:t>UI </a:t>
+            </a:r>
+            <a:r>
+              <a:rPr lang="ko-KR" altLang="en-US" dirty="0" smtClean="0"/>
+              <a:t>구성 </a:t>
+            </a:r>
+            <a:r>
+              <a:rPr lang="en-US" altLang="ko-KR" dirty="0"/>
+              <a:t>3</a:t>
+            </a:r>
+            <a:r>
+              <a:rPr lang="en-US" altLang="ko-KR" dirty="0" smtClean="0"/>
+              <a:t> (</a:t>
+            </a:r>
+            <a:r>
+              <a:rPr lang="ko-KR" altLang="en-US" dirty="0" smtClean="0"/>
+              <a:t>바인딩</a:t>
+            </a:r>
+            <a:r>
+              <a:rPr lang="en-US" altLang="ko-KR" dirty="0" smtClean="0"/>
+              <a:t>)</a:t>
+            </a:r>
+            <a:endParaRPr lang="ko-KR" altLang="en-US" dirty="0"/>
+          </a:p>
+        </p:txBody>
+      </p:sp>
+      <p:sp>
+        <p:nvSpPr>
+          <p:cNvPr id="9" name="텍스트 개체 틀 2"/>
+          <p:cNvSpPr>
+            <a:spLocks noGrp="1"/>
+          </p:cNvSpPr>
+          <p:nvPr>
+            <p:ph type="body" sz="quarter" idx="11"/>
+          </p:nvPr>
+        </p:nvSpPr>
+        <p:spPr>
+          <a:xfrm>
+            <a:off x="581127" y="4073937"/>
+            <a:ext cx="9019639" cy="1386337"/>
+          </a:xfrm>
+        </p:spPr>
+        <p:txBody>
+          <a:bodyPr anchor="t">
+            <a:noAutofit/>
+          </a:bodyPr>
+          <a:lstStyle/>
+          <a:p>
+            <a:pPr>
+              <a:lnSpc>
+                <a:spcPct val="150000"/>
+              </a:lnSpc>
+            </a:pPr>
+            <a:r>
+              <a:rPr lang="en-US" altLang="ko-KR" sz="1200" dirty="0"/>
+              <a:t>2</a:t>
+            </a:r>
+            <a:r>
+              <a:rPr lang="en-US" altLang="ko-KR" sz="1200" dirty="0" smtClean="0"/>
+              <a:t>. </a:t>
+            </a:r>
+            <a:r>
+              <a:rPr lang="ko-KR" altLang="en-US" sz="1200" dirty="0" smtClean="0"/>
+              <a:t>바인딩 </a:t>
+            </a:r>
+            <a:r>
+              <a:rPr lang="ko-KR" altLang="en-US" sz="1200" dirty="0" smtClean="0"/>
+              <a:t>구성 </a:t>
+            </a:r>
+            <a:r>
+              <a:rPr lang="en-US" altLang="ko-KR" sz="1200" dirty="0" smtClean="0"/>
+              <a:t> (</a:t>
+            </a:r>
+            <a:r>
+              <a:rPr lang="ko-KR" altLang="en-US" sz="1200" dirty="0" smtClean="0"/>
+              <a:t>연산자 </a:t>
+            </a:r>
+            <a:r>
+              <a:rPr lang="en-US" altLang="ko-KR" sz="1200" dirty="0" smtClean="0"/>
+              <a:t>&amp; </a:t>
+            </a:r>
+            <a:r>
+              <a:rPr lang="ko-KR" altLang="en-US" sz="1200" dirty="0" smtClean="0"/>
+              <a:t>숫자 입력 </a:t>
+            </a:r>
+            <a:r>
+              <a:rPr lang="ko-KR" altLang="en-US" sz="1200" dirty="0" smtClean="0"/>
+              <a:t>버튼</a:t>
+            </a:r>
+            <a:r>
+              <a:rPr lang="en-US" altLang="ko-KR" sz="1200" dirty="0" smtClean="0"/>
+              <a:t>) </a:t>
+            </a:r>
+          </a:p>
+          <a:p>
+            <a:pPr>
+              <a:lnSpc>
+                <a:spcPct val="150000"/>
+              </a:lnSpc>
+            </a:pPr>
+            <a:r>
+              <a:rPr lang="en-US" altLang="ko-KR" sz="1200" dirty="0" smtClean="0"/>
+              <a:t>&gt; </a:t>
+            </a:r>
+            <a:r>
+              <a:rPr lang="ko-KR" altLang="en-US" sz="1200" dirty="0" smtClean="0"/>
+              <a:t>각각의 기능에 맞게 커맨드를 바인딩 시키고</a:t>
+            </a:r>
+            <a:r>
+              <a:rPr lang="en-US" altLang="ko-KR" sz="1200" dirty="0" smtClean="0"/>
+              <a:t>, </a:t>
+            </a:r>
+            <a:r>
+              <a:rPr lang="ko-KR" altLang="en-US" sz="1200" dirty="0" smtClean="0"/>
+              <a:t>커맨드 </a:t>
+            </a:r>
+            <a:r>
+              <a:rPr lang="ko-KR" altLang="en-US" sz="1200" dirty="0" err="1" smtClean="0"/>
+              <a:t>호출시에</a:t>
+            </a:r>
+            <a:r>
+              <a:rPr lang="ko-KR" altLang="en-US" sz="1200" dirty="0" smtClean="0"/>
+              <a:t> 커맨드 </a:t>
+            </a:r>
+            <a:r>
+              <a:rPr lang="ko-KR" altLang="en-US" sz="1200" dirty="0" err="1" smtClean="0"/>
+              <a:t>파라미터에</a:t>
+            </a:r>
+            <a:r>
+              <a:rPr lang="ko-KR" altLang="en-US" sz="1200" dirty="0"/>
+              <a:t> </a:t>
+            </a:r>
+            <a:r>
+              <a:rPr lang="ko-KR" altLang="en-US" sz="1200" dirty="0" smtClean="0"/>
+              <a:t>따라 커맨드 내부에서 </a:t>
+            </a:r>
+            <a:r>
+              <a:rPr lang="en-US" altLang="ko-KR" sz="1200" dirty="0" smtClean="0"/>
+              <a:t/>
+            </a:r>
+            <a:br>
+              <a:rPr lang="en-US" altLang="ko-KR" sz="1200" dirty="0" smtClean="0"/>
+            </a:br>
+            <a:r>
+              <a:rPr lang="ko-KR" altLang="en-US" sz="1200" dirty="0" smtClean="0"/>
+              <a:t>체크하고 그에 알맞은 기능이 실행되도록 구성하였음</a:t>
+            </a:r>
+            <a:r>
+              <a:rPr lang="en-US" altLang="ko-KR" sz="1200" dirty="0" smtClean="0"/>
+              <a:t>. </a:t>
+            </a:r>
+            <a:endParaRPr lang="en-US" altLang="ko-KR" sz="1200" dirty="0" smtClean="0"/>
+          </a:p>
+        </p:txBody>
+      </p:sp>
+      <p:pic>
+        <p:nvPicPr>
+          <p:cNvPr id="3" name="그림 2"/>
+          <p:cNvPicPr>
+            <a:picLocks noChangeAspect="1"/>
+          </p:cNvPicPr>
+          <p:nvPr/>
+        </p:nvPicPr>
+        <p:blipFill>
+          <a:blip r:embed="rId2"/>
+          <a:stretch>
+            <a:fillRect/>
+          </a:stretch>
+        </p:blipFill>
+        <p:spPr>
+          <a:xfrm>
+            <a:off x="581127" y="2699637"/>
+            <a:ext cx="9915525" cy="857250"/>
+          </a:xfrm>
+          <a:prstGeom prst="rect">
+            <a:avLst/>
+          </a:prstGeom>
+        </p:spPr>
+      </p:pic>
+    </p:spTree>
+    <p:extLst>
+      <p:ext uri="{BB962C8B-B14F-4D97-AF65-F5344CB8AC3E}">
+        <p14:creationId xmlns:p14="http://schemas.microsoft.com/office/powerpoint/2010/main" val="1712133289"/>
+      </p:ext>
+    </p:extLst>
+  </p:cSld>
+  <p:clrMapOvr>
+    <a:masterClrMapping/>
+  </p:clrMapOvr>
+  <p:timing>
+    <p:tnLst>
+      <p:par>
+        <p:cTn id="1" dur="indefinite" restart="never" nodeType="tmRoot"/>
+      </p:par>
+    </p:tnLst>
+  </p:timing>
+</p:sld>
+</file>
+
+<file path=ppt/slides/slide19.xml><?xml version="1.0" encoding="utf-8"?>
 <p:sld xmlns:a="http://schemas.openxmlformats.org/drawingml/2006/main" xmlns:r="http://schemas.openxmlformats.org/officeDocument/2006/relationships" xmlns:p="http://schemas.openxmlformats.org/presentationml/2006/main">
   <p:cSld>
     <p:spTree>
@@ -5653,9 +8127,6 @@
               <a:t>03</a:t>
             </a:r>
           </a:p>
-          <a:p>
-            <a:endParaRPr lang="ko-KR" altLang="en-US" dirty="0"/>
-          </a:p>
         </p:txBody>
       </p:sp>
       <p:sp>
@@ -5696,8 +8167,12 @@
               <a:rPr lang="en-US" altLang="ko-KR" dirty="0" smtClean="0"/>
             </a:br>
             <a:r>
+              <a:rPr lang="en-US" altLang="ko-KR" dirty="0" smtClean="0"/>
+              <a:t>UI </a:t>
+            </a:r>
+            <a:r>
               <a:rPr lang="ko-KR" altLang="en-US" dirty="0" smtClean="0"/>
-              <a:t>기능 구현</a:t>
+              <a:t>구성</a:t>
             </a:r>
             <a:r>
               <a:rPr lang="en-US" altLang="ko-KR" dirty="0" smtClean="0"/>
@@ -6585,7 +9060,6 @@
               <a:rPr lang="en-US" altLang="ko-KR" sz="1200" dirty="0" smtClean="0"/>
               <a:t>.</a:t>
             </a:r>
-            <a:endParaRPr lang="en-US" altLang="ko-KR" sz="1200" dirty="0" smtClean="0"/>
           </a:p>
         </p:txBody>
       </p:sp>
@@ -7618,26 +10092,6 @@
 </file>
 
 <file path=customXml/item1.xml><?xml version="1.0" encoding="utf-8"?>
-<?mso-contentType ?>
-<FormTemplates xmlns="http://schemas.microsoft.com/sharepoint/v3/contenttype/forms">
-  <Display>DocumentLibraryForm</Display>
-  <Edit>DocumentLibraryForm</Edit>
-  <New>DocumentLibraryForm</New>
-</FormTemplates>
-</file>
-
-<file path=customXml/item2.xml><?xml version="1.0" encoding="utf-8"?>
-<p:properties xmlns:p="http://schemas.microsoft.com/office/2006/metadata/properties" xmlns:xsi="http://www.w3.org/2001/XMLSchema-instance" xmlns:pc="http://schemas.microsoft.com/office/infopath/2007/PartnerControls">
-  <documentManagement>
-    <lcf76f155ced4ddcb4097134ff3c332f xmlns="5287ea23-c7c1-471d-94e0-1f27800caf25">
-      <Terms xmlns="http://schemas.microsoft.com/office/infopath/2007/PartnerControls"/>
-    </lcf76f155ced4ddcb4097134ff3c332f>
-    <TaxCatchAll xmlns="9f8f5cdb-6f74-43b1-9aa9-ac4792d6eff0" xsi:nil="true"/>
-  </documentManagement>
-</p:properties>
-</file>
-
-<file path=customXml/item3.xml><?xml version="1.0" encoding="utf-8"?>
 <ct:contentTypeSchema xmlns:ct="http://schemas.microsoft.com/office/2006/metadata/contentType" xmlns:ma="http://schemas.microsoft.com/office/2006/metadata/properties/metaAttributes" ct:_="" ma:_="" ma:contentTypeName="문서" ma:contentTypeID="0x01010097F948F75E8F274E9D5EEB3077E57807" ma:contentTypeVersion="14" ma:contentTypeDescription="새 문서를 만듭니다." ma:contentTypeScope="" ma:versionID="383915c68c9dcfafa8e4a54ef9856791">
   <xsd:schema xmlns:xsd="http://www.w3.org/2001/XMLSchema" xmlns:xs="http://www.w3.org/2001/XMLSchema" xmlns:p="http://schemas.microsoft.com/office/2006/metadata/properties" xmlns:ns2="5287ea23-c7c1-471d-94e0-1f27800caf25" xmlns:ns3="9f8f5cdb-6f74-43b1-9aa9-ac4792d6eff0" targetNamespace="http://schemas.microsoft.com/office/2006/metadata/properties" ma:root="true" ma:fieldsID="b50d3e76b9750a35d841828d9dd8cc50" ns2:_="" ns3:_="">
     <xsd:import namespace="5287ea23-c7c1-471d-94e0-1f27800caf25"/>
@@ -7866,32 +10320,27 @@
 </ct:contentTypeSchema>
 </file>
 
-<file path=customXml/itemProps1.xml><?xml version="1.0" encoding="utf-8"?>
-<ds:datastoreItem xmlns:ds="http://schemas.openxmlformats.org/officeDocument/2006/customXml" ds:itemID="{A0D0B503-7AB3-4C80-B692-7C53279A1AB1}">
-  <ds:schemaRefs>
-    <ds:schemaRef ds:uri="http://schemas.microsoft.com/sharepoint/v3/contenttype/forms"/>
-  </ds:schemaRefs>
-</ds:datastoreItem>
+<file path=customXml/item2.xml><?xml version="1.0" encoding="utf-8"?>
+<?mso-contentType ?>
+<FormTemplates xmlns="http://schemas.microsoft.com/sharepoint/v3/contenttype/forms">
+  <Display>DocumentLibraryForm</Display>
+  <Edit>DocumentLibraryForm</Edit>
+  <New>DocumentLibraryForm</New>
+</FormTemplates>
 </file>
 
-<file path=customXml/itemProps2.xml><?xml version="1.0" encoding="utf-8"?>
-<ds:datastoreItem xmlns:ds="http://schemas.openxmlformats.org/officeDocument/2006/customXml" ds:itemID="{E4B52D71-AA1A-4C9E-817C-092B44CC4C7B}">
-  <ds:schemaRefs>
-    <ds:schemaRef ds:uri="http://www.w3.org/XML/1998/namespace"/>
-    <ds:schemaRef ds:uri="http://schemas.microsoft.com/office/2006/documentManagement/types"/>
-    <ds:schemaRef ds:uri="http://purl.org/dc/dcmitype/"/>
-    <ds:schemaRef ds:uri="http://purl.org/dc/terms/"/>
-    <ds:schemaRef ds:uri="9f8f5cdb-6f74-43b1-9aa9-ac4792d6eff0"/>
-    <ds:schemaRef ds:uri="http://schemas.microsoft.com/office/2006/metadata/properties"/>
-    <ds:schemaRef ds:uri="5287ea23-c7c1-471d-94e0-1f27800caf25"/>
-    <ds:schemaRef ds:uri="http://purl.org/dc/elements/1.1/"/>
-    <ds:schemaRef ds:uri="http://schemas.microsoft.com/office/infopath/2007/PartnerControls"/>
-    <ds:schemaRef ds:uri="http://schemas.openxmlformats.org/package/2006/metadata/core-properties"/>
-  </ds:schemaRefs>
-</ds:datastoreItem>
+<file path=customXml/item3.xml><?xml version="1.0" encoding="utf-8"?>
+<p:properties xmlns:p="http://schemas.microsoft.com/office/2006/metadata/properties" xmlns:xsi="http://www.w3.org/2001/XMLSchema-instance" xmlns:pc="http://schemas.microsoft.com/office/infopath/2007/PartnerControls">
+  <documentManagement>
+    <lcf76f155ced4ddcb4097134ff3c332f xmlns="5287ea23-c7c1-471d-94e0-1f27800caf25">
+      <Terms xmlns="http://schemas.microsoft.com/office/infopath/2007/PartnerControls"/>
+    </lcf76f155ced4ddcb4097134ff3c332f>
+    <TaxCatchAll xmlns="9f8f5cdb-6f74-43b1-9aa9-ac4792d6eff0" xsi:nil="true"/>
+  </documentManagement>
+</p:properties>
 </file>
 
-<file path=customXml/itemProps3.xml><?xml version="1.0" encoding="utf-8"?>
+<file path=customXml/itemProps1.xml><?xml version="1.0" encoding="utf-8"?>
 <ds:datastoreItem xmlns:ds="http://schemas.openxmlformats.org/officeDocument/2006/customXml" ds:itemID="{94D9C3E4-5230-48BB-918F-48AFCBD94E42}">
   <ds:schemaRefs>
     <ds:schemaRef ds:uri="http://schemas.microsoft.com/office/2006/metadata/contentType"/>
@@ -7908,4 +10357,29 @@
     <ds:schemaRef ds:uri="http://schemas.microsoft.com/internal/obd"/>
   </ds:schemaRefs>
 </ds:datastoreItem>
+</file>
+
+<file path=customXml/itemProps2.xml><?xml version="1.0" encoding="utf-8"?>
+<ds:datastoreItem xmlns:ds="http://schemas.openxmlformats.org/officeDocument/2006/customXml" ds:itemID="{A0D0B503-7AB3-4C80-B692-7C53279A1AB1}">
+  <ds:schemaRefs>
+    <ds:schemaRef ds:uri="http://schemas.microsoft.com/sharepoint/v3/contenttype/forms"/>
+  </ds:schemaRefs>
+</ds:datastoreItem>
+</file>
+
+<file path=customXml/itemProps3.xml><?xml version="1.0" encoding="utf-8"?>
+<ds:datastoreItem xmlns:ds="http://schemas.openxmlformats.org/officeDocument/2006/customXml" ds:itemID="{E4B52D71-AA1A-4C9E-817C-092B44CC4C7B}">
+  <ds:schemaRefs>
+    <ds:schemaRef ds:uri="http://www.w3.org/XML/1998/namespace"/>
+    <ds:schemaRef ds:uri="http://schemas.microsoft.com/office/2006/documentManagement/types"/>
+    <ds:schemaRef ds:uri="http://purl.org/dc/dcmitype/"/>
+    <ds:schemaRef ds:uri="http://purl.org/dc/terms/"/>
+    <ds:schemaRef ds:uri="9f8f5cdb-6f74-43b1-9aa9-ac4792d6eff0"/>
+    <ds:schemaRef ds:uri="http://schemas.microsoft.com/office/2006/metadata/properties"/>
+    <ds:schemaRef ds:uri="5287ea23-c7c1-471d-94e0-1f27800caf25"/>
+    <ds:schemaRef ds:uri="http://purl.org/dc/elements/1.1/"/>
+    <ds:schemaRef ds:uri="http://schemas.microsoft.com/office/infopath/2007/PartnerControls"/>
+    <ds:schemaRef ds:uri="http://schemas.openxmlformats.org/package/2006/metadata/core-properties"/>
+  </ds:schemaRefs>
+</ds:datastoreItem>
 </file>
--- a/2차 과제 발표 20241028.pptx
+++ b/2차 과제 발표 20241028.pptx
@@ -5,10 +5,10 @@
     <p:sldMasterId id="2147483648" r:id="rId4"/>
   </p:sldMasterIdLst>
   <p:notesMasterIdLst>
-    <p:notesMasterId r:id="rId24"/>
+    <p:notesMasterId r:id="rId27"/>
   </p:notesMasterIdLst>
   <p:handoutMasterIdLst>
-    <p:handoutMasterId r:id="rId25"/>
+    <p:handoutMasterId r:id="rId28"/>
   </p:handoutMasterIdLst>
   <p:sldIdLst>
     <p:sldId id="303" r:id="rId5"/>
@@ -29,7 +29,10 @@
     <p:sldId id="344" r:id="rId20"/>
     <p:sldId id="345" r:id="rId21"/>
     <p:sldId id="346" r:id="rId22"/>
-    <p:sldId id="330" r:id="rId23"/>
+    <p:sldId id="349" r:id="rId23"/>
+    <p:sldId id="347" r:id="rId24"/>
+    <p:sldId id="348" r:id="rId25"/>
+    <p:sldId id="330" r:id="rId26"/>
   </p:sldIdLst>
   <p:sldSz cx="12192000" cy="6858000"/>
   <p:notesSz cx="6858000" cy="9144000"/>
@@ -7286,19 +7289,11 @@
             </a:r>
             <a:r>
               <a:rPr lang="ko-KR" altLang="en-US" sz="1200" dirty="0" smtClean="0"/>
-              <a:t>바인딩 </a:t>
-            </a:r>
-            <a:r>
-              <a:rPr lang="ko-KR" altLang="en-US" sz="1200" dirty="0" smtClean="0"/>
-              <a:t>구성 </a:t>
-            </a:r>
-            <a:r>
-              <a:rPr lang="en-US" altLang="ko-KR" sz="1200" dirty="0" smtClean="0"/>
-              <a:t> </a:t>
-            </a:r>
-            <a:r>
-              <a:rPr lang="en-US" altLang="ko-KR" sz="1200" dirty="0" smtClean="0"/>
-              <a:t>(</a:t>
+              <a:t>바인딩 구성 </a:t>
+            </a:r>
+            <a:r>
+              <a:rPr lang="en-US" altLang="ko-KR" sz="1200" dirty="0" smtClean="0"/>
+              <a:t> (</a:t>
             </a:r>
             <a:r>
               <a:rPr lang="ko-KR" altLang="en-US" sz="1200" dirty="0" smtClean="0"/>
@@ -7390,7 +7385,6 @@
               <a:rPr lang="en-US" altLang="ko-KR" sz="1200" dirty="0" smtClean="0"/>
               <a:t> </a:t>
             </a:r>
-            <a:endParaRPr lang="en-US" altLang="ko-KR" sz="1200" dirty="0" smtClean="0"/>
           </a:p>
         </p:txBody>
       </p:sp>
@@ -7559,11 +7553,7 @@
             </a:r>
             <a:r>
               <a:rPr lang="ko-KR" altLang="en-US" sz="1200" dirty="0" smtClean="0"/>
-              <a:t>바인딩 </a:t>
-            </a:r>
-            <a:r>
-              <a:rPr lang="ko-KR" altLang="en-US" sz="1200" dirty="0" smtClean="0"/>
-              <a:t>구성 </a:t>
+              <a:t>바인딩 구성 </a:t>
             </a:r>
             <a:r>
               <a:rPr lang="en-US" altLang="ko-KR" sz="1200" dirty="0" smtClean="0"/>
@@ -7688,11 +7678,7 @@
             </a:r>
             <a:r>
               <a:rPr lang="ko-KR" altLang="en-US" sz="1200" dirty="0" smtClean="0"/>
-              <a:t>바인딩 </a:t>
-            </a:r>
-            <a:r>
-              <a:rPr lang="ko-KR" altLang="en-US" sz="1200" dirty="0" smtClean="0"/>
-              <a:t>구성 </a:t>
+              <a:t>바인딩 구성 </a:t>
             </a:r>
             <a:r>
               <a:rPr lang="en-US" altLang="ko-KR" sz="1200" dirty="0" smtClean="0"/>
@@ -7861,11 +7847,7 @@
             </a:r>
             <a:r>
               <a:rPr lang="ko-KR" altLang="en-US" sz="1200" dirty="0" smtClean="0"/>
-              <a:t>바인딩 </a:t>
-            </a:r>
-            <a:r>
-              <a:rPr lang="ko-KR" altLang="en-US" sz="1200" dirty="0" smtClean="0"/>
-              <a:t>구성 </a:t>
+              <a:t>바인딩 구성 </a:t>
             </a:r>
             <a:r>
               <a:rPr lang="en-US" altLang="ko-KR" sz="1200" dirty="0" smtClean="0"/>
@@ -7881,11 +7863,7 @@
             </a:r>
             <a:r>
               <a:rPr lang="ko-KR" altLang="en-US" sz="1200" dirty="0" smtClean="0"/>
-              <a:t>숫자 입력 </a:t>
-            </a:r>
-            <a:r>
-              <a:rPr lang="ko-KR" altLang="en-US" sz="1200" dirty="0" smtClean="0"/>
-              <a:t>버튼</a:t>
+              <a:t>숫자 입력 버튼</a:t>
             </a:r>
             <a:r>
               <a:rPr lang="en-US" altLang="ko-KR" sz="1200" dirty="0" smtClean="0"/>
@@ -7949,7 +7927,6 @@
               <a:rPr lang="en-US" altLang="ko-KR" sz="1200" dirty="0" smtClean="0"/>
               <a:t>. </a:t>
             </a:r>
-            <a:endParaRPr lang="en-US" altLang="ko-KR" sz="1200" dirty="0" smtClean="0"/>
           </a:p>
         </p:txBody>
       </p:sp>
@@ -8014,10 +7991,630 @@
           <a:chExt cx="0" cy="0"/>
         </a:xfrm>
       </p:grpSpPr>
+      <p:sp>
+        <p:nvSpPr>
+          <p:cNvPr id="2" name="텍스트 개체 틀 1"/>
+          <p:cNvSpPr>
+            <a:spLocks noGrp="1"/>
+          </p:cNvSpPr>
+          <p:nvPr>
+            <p:ph type="body" sz="quarter" idx="10"/>
+          </p:nvPr>
+        </p:nvSpPr>
+        <p:spPr/>
+        <p:txBody>
+          <a:bodyPr/>
+          <a:lstStyle/>
+          <a:p>
+            <a:r>
+              <a:rPr lang="en-US" altLang="ko-KR" dirty="0" smtClean="0"/>
+              <a:t>UI </a:t>
+            </a:r>
+            <a:r>
+              <a:rPr lang="ko-KR" altLang="en-US" dirty="0" smtClean="0"/>
+              <a:t>구성 </a:t>
+            </a:r>
+            <a:r>
+              <a:rPr lang="en-US" altLang="ko-KR" dirty="0"/>
+              <a:t>3</a:t>
+            </a:r>
+            <a:r>
+              <a:rPr lang="en-US" altLang="ko-KR" dirty="0" smtClean="0"/>
+              <a:t> (</a:t>
+            </a:r>
+            <a:r>
+              <a:rPr lang="ko-KR" altLang="en-US" dirty="0" smtClean="0"/>
+              <a:t>바인딩</a:t>
+            </a:r>
+            <a:r>
+              <a:rPr lang="en-US" altLang="ko-KR" dirty="0" smtClean="0"/>
+              <a:t>)</a:t>
+            </a:r>
+            <a:endParaRPr lang="ko-KR" altLang="en-US" dirty="0"/>
+          </a:p>
+        </p:txBody>
+      </p:sp>
+      <p:sp>
+        <p:nvSpPr>
+          <p:cNvPr id="5" name="직사각형 4"/>
+          <p:cNvSpPr/>
+          <p:nvPr/>
+        </p:nvSpPr>
+        <p:spPr>
+          <a:xfrm>
+            <a:off x="1532195" y="1104900"/>
+            <a:ext cx="2910840" cy="1920240"/>
+          </a:xfrm>
+          <a:prstGeom prst="rect">
+            <a:avLst/>
+          </a:prstGeom>
+        </p:spPr>
+        <p:style>
+          <a:lnRef idx="2">
+            <a:schemeClr val="accent1">
+              <a:shade val="50000"/>
+            </a:schemeClr>
+          </a:lnRef>
+          <a:fillRef idx="1">
+            <a:schemeClr val="accent1"/>
+          </a:fillRef>
+          <a:effectRef idx="0">
+            <a:schemeClr val="accent1"/>
+          </a:effectRef>
+          <a:fontRef idx="minor">
+            <a:schemeClr val="lt1"/>
+          </a:fontRef>
+        </p:style>
+        <p:txBody>
+          <a:bodyPr rtlCol="0" anchor="ctr"/>
+          <a:lstStyle/>
+          <a:p>
+            <a:pPr algn="ctr"/>
+            <a:r>
+              <a:rPr lang="en-US" altLang="ko-KR" dirty="0" smtClean="0"/>
+              <a:t>View</a:t>
+            </a:r>
+            <a:endParaRPr lang="ko-KR" altLang="en-US" dirty="0"/>
+          </a:p>
+        </p:txBody>
+      </p:sp>
+      <p:sp>
+        <p:nvSpPr>
+          <p:cNvPr id="7" name="직사각형 6"/>
+          <p:cNvSpPr/>
+          <p:nvPr/>
+        </p:nvSpPr>
+        <p:spPr>
+          <a:xfrm>
+            <a:off x="6477000" y="1836420"/>
+            <a:ext cx="2910840" cy="1920240"/>
+          </a:xfrm>
+          <a:prstGeom prst="rect">
+            <a:avLst/>
+          </a:prstGeom>
+          <a:solidFill>
+            <a:schemeClr val="accent2"/>
+          </a:solidFill>
+        </p:spPr>
+        <p:style>
+          <a:lnRef idx="2">
+            <a:schemeClr val="accent1">
+              <a:shade val="50000"/>
+            </a:schemeClr>
+          </a:lnRef>
+          <a:fillRef idx="1">
+            <a:schemeClr val="accent1"/>
+          </a:fillRef>
+          <a:effectRef idx="0">
+            <a:schemeClr val="accent1"/>
+          </a:effectRef>
+          <a:fontRef idx="minor">
+            <a:schemeClr val="lt1"/>
+          </a:fontRef>
+        </p:style>
+        <p:txBody>
+          <a:bodyPr rtlCol="0" anchor="ctr"/>
+          <a:lstStyle/>
+          <a:p>
+            <a:pPr algn="ctr"/>
+            <a:r>
+              <a:rPr lang="en-US" altLang="ko-KR" dirty="0" smtClean="0"/>
+              <a:t>View Model</a:t>
+            </a:r>
+            <a:endParaRPr lang="ko-KR" altLang="en-US" dirty="0"/>
+          </a:p>
+        </p:txBody>
+      </p:sp>
+      <p:sp>
+        <p:nvSpPr>
+          <p:cNvPr id="8" name="직사각형 7"/>
+          <p:cNvSpPr/>
+          <p:nvPr/>
+        </p:nvSpPr>
+        <p:spPr>
+          <a:xfrm>
+            <a:off x="1550349" y="3497580"/>
+            <a:ext cx="2910840" cy="1920240"/>
+          </a:xfrm>
+          <a:prstGeom prst="rect">
+            <a:avLst/>
+          </a:prstGeom>
+          <a:solidFill>
+            <a:srgbClr val="FFFF00"/>
+          </a:solidFill>
+        </p:spPr>
+        <p:style>
+          <a:lnRef idx="2">
+            <a:schemeClr val="accent1">
+              <a:shade val="50000"/>
+            </a:schemeClr>
+          </a:lnRef>
+          <a:fillRef idx="1">
+            <a:schemeClr val="accent1"/>
+          </a:fillRef>
+          <a:effectRef idx="0">
+            <a:schemeClr val="accent1"/>
+          </a:effectRef>
+          <a:fontRef idx="minor">
+            <a:schemeClr val="lt1"/>
+          </a:fontRef>
+        </p:style>
+        <p:txBody>
+          <a:bodyPr rtlCol="0" anchor="ctr"/>
+          <a:lstStyle/>
+          <a:p>
+            <a:pPr algn="ctr"/>
+            <a:r>
+              <a:rPr lang="en-US" altLang="ko-KR" dirty="0" smtClean="0">
+                <a:solidFill>
+                  <a:schemeClr val="tx1"/>
+                </a:solidFill>
+              </a:rPr>
+              <a:t>Model</a:t>
+            </a:r>
+            <a:endParaRPr lang="ko-KR" altLang="en-US" dirty="0">
+              <a:solidFill>
+                <a:schemeClr val="tx1"/>
+              </a:solidFill>
+            </a:endParaRPr>
+          </a:p>
+        </p:txBody>
+      </p:sp>
+      <p:cxnSp>
+        <p:nvCxnSpPr>
+          <p:cNvPr id="10" name="직선 화살표 연결선 9"/>
+          <p:cNvCxnSpPr/>
+          <p:nvPr/>
+        </p:nvCxnSpPr>
+        <p:spPr>
+          <a:xfrm>
+            <a:off x="4770120" y="2065020"/>
+            <a:ext cx="1539240" cy="15240"/>
+          </a:xfrm>
+          <a:prstGeom prst="straightConnector1">
+            <a:avLst/>
+          </a:prstGeom>
+          <a:ln w="38100">
+            <a:solidFill>
+              <a:schemeClr val="tx1"/>
+            </a:solidFill>
+            <a:prstDash val="dash"/>
+            <a:tailEnd type="triangle"/>
+          </a:ln>
+        </p:spPr>
+        <p:style>
+          <a:lnRef idx="1">
+            <a:schemeClr val="accent1"/>
+          </a:lnRef>
+          <a:fillRef idx="0">
+            <a:schemeClr val="accent1"/>
+          </a:fillRef>
+          <a:effectRef idx="0">
+            <a:schemeClr val="accent1"/>
+          </a:effectRef>
+          <a:fontRef idx="minor">
+            <a:schemeClr val="tx1"/>
+          </a:fontRef>
+        </p:style>
+      </p:cxnSp>
+      <p:cxnSp>
+        <p:nvCxnSpPr>
+          <p:cNvPr id="11" name="직선 화살표 연결선 10"/>
+          <p:cNvCxnSpPr/>
+          <p:nvPr/>
+        </p:nvCxnSpPr>
+        <p:spPr>
+          <a:xfrm flipH="1">
+            <a:off x="4599533" y="2400300"/>
+            <a:ext cx="1648867" cy="0"/>
+          </a:xfrm>
+          <a:prstGeom prst="straightConnector1">
+            <a:avLst/>
+          </a:prstGeom>
+          <a:ln w="38100">
+            <a:solidFill>
+              <a:schemeClr val="tx1"/>
+            </a:solidFill>
+            <a:prstDash val="dash"/>
+            <a:tailEnd type="triangle"/>
+          </a:ln>
+        </p:spPr>
+        <p:style>
+          <a:lnRef idx="1">
+            <a:schemeClr val="accent1"/>
+          </a:lnRef>
+          <a:fillRef idx="0">
+            <a:schemeClr val="accent1"/>
+          </a:fillRef>
+          <a:effectRef idx="0">
+            <a:schemeClr val="accent1"/>
+          </a:effectRef>
+          <a:fontRef idx="minor">
+            <a:schemeClr val="tx1"/>
+          </a:fontRef>
+        </p:style>
+      </p:cxnSp>
+      <p:cxnSp>
+        <p:nvCxnSpPr>
+          <p:cNvPr id="15" name="직선 화살표 연결선 14"/>
+          <p:cNvCxnSpPr/>
+          <p:nvPr/>
+        </p:nvCxnSpPr>
+        <p:spPr>
+          <a:xfrm flipH="1">
+            <a:off x="4859474" y="3497580"/>
+            <a:ext cx="1476554" cy="815340"/>
+          </a:xfrm>
+          <a:prstGeom prst="straightConnector1">
+            <a:avLst/>
+          </a:prstGeom>
+          <a:ln w="38100">
+            <a:solidFill>
+              <a:schemeClr val="tx1"/>
+            </a:solidFill>
+            <a:prstDash val="dash"/>
+            <a:tailEnd type="triangle"/>
+          </a:ln>
+        </p:spPr>
+        <p:style>
+          <a:lnRef idx="1">
+            <a:schemeClr val="accent1"/>
+          </a:lnRef>
+          <a:fillRef idx="0">
+            <a:schemeClr val="accent1"/>
+          </a:fillRef>
+          <a:effectRef idx="0">
+            <a:schemeClr val="accent1"/>
+          </a:effectRef>
+          <a:fontRef idx="minor">
+            <a:schemeClr val="tx1"/>
+          </a:fontRef>
+        </p:style>
+      </p:cxnSp>
+      <p:cxnSp>
+        <p:nvCxnSpPr>
+          <p:cNvPr id="18" name="직선 화살표 연결선 17"/>
+          <p:cNvCxnSpPr/>
+          <p:nvPr/>
+        </p:nvCxnSpPr>
+        <p:spPr>
+          <a:xfrm flipV="1">
+            <a:off x="4859474" y="3299460"/>
+            <a:ext cx="1388926" cy="723418"/>
+          </a:xfrm>
+          <a:prstGeom prst="straightConnector1">
+            <a:avLst/>
+          </a:prstGeom>
+          <a:ln w="38100">
+            <a:solidFill>
+              <a:schemeClr val="tx1"/>
+            </a:solidFill>
+            <a:prstDash val="dash"/>
+            <a:tailEnd type="triangle"/>
+          </a:ln>
+        </p:spPr>
+        <p:style>
+          <a:lnRef idx="1">
+            <a:schemeClr val="accent1"/>
+          </a:lnRef>
+          <a:fillRef idx="0">
+            <a:schemeClr val="accent1"/>
+          </a:fillRef>
+          <a:effectRef idx="0">
+            <a:schemeClr val="accent1"/>
+          </a:effectRef>
+          <a:fontRef idx="minor">
+            <a:schemeClr val="tx1"/>
+          </a:fontRef>
+        </p:style>
+      </p:cxnSp>
+      <p:sp>
+        <p:nvSpPr>
+          <p:cNvPr id="23" name="직사각형 22"/>
+          <p:cNvSpPr/>
+          <p:nvPr/>
+        </p:nvSpPr>
+        <p:spPr>
+          <a:xfrm>
+            <a:off x="7239000" y="655320"/>
+            <a:ext cx="2148840" cy="1181100"/>
+          </a:xfrm>
+          <a:prstGeom prst="rect">
+            <a:avLst/>
+          </a:prstGeom>
+          <a:solidFill>
+            <a:schemeClr val="accent2"/>
+          </a:solidFill>
+        </p:spPr>
+        <p:style>
+          <a:lnRef idx="2">
+            <a:schemeClr val="accent1">
+              <a:shade val="50000"/>
+            </a:schemeClr>
+          </a:lnRef>
+          <a:fillRef idx="1">
+            <a:schemeClr val="accent1"/>
+          </a:fillRef>
+          <a:effectRef idx="0">
+            <a:schemeClr val="accent1"/>
+          </a:effectRef>
+          <a:fontRef idx="minor">
+            <a:schemeClr val="lt1"/>
+          </a:fontRef>
+        </p:style>
+        <p:txBody>
+          <a:bodyPr rtlCol="0" anchor="ctr"/>
+          <a:lstStyle/>
+          <a:p>
+            <a:pPr algn="ctr"/>
+            <a:r>
+              <a:rPr lang="en-US" altLang="ko-KR" dirty="0" smtClean="0"/>
+              <a:t>Action Command</a:t>
+            </a:r>
+            <a:endParaRPr lang="ko-KR" altLang="en-US" dirty="0"/>
+          </a:p>
+        </p:txBody>
+      </p:sp>
+      <p:sp>
+        <p:nvSpPr>
+          <p:cNvPr id="35" name="TextBox 34"/>
+          <p:cNvSpPr txBox="1"/>
+          <p:nvPr/>
+        </p:nvSpPr>
+        <p:spPr>
+          <a:xfrm>
+            <a:off x="4950246" y="2487275"/>
+            <a:ext cx="915635" cy="246221"/>
+          </a:xfrm>
+          <a:prstGeom prst="rect">
+            <a:avLst/>
+          </a:prstGeom>
+          <a:noFill/>
+        </p:spPr>
+        <p:txBody>
+          <a:bodyPr wrap="none" rtlCol="0">
+            <a:spAutoFit/>
+          </a:bodyPr>
+          <a:lstStyle/>
+          <a:p>
+            <a:r>
+              <a:rPr lang="ko-KR" altLang="en-US" sz="1000" b="1" dirty="0" smtClean="0"/>
+              <a:t>결과 값 표시</a:t>
+            </a:r>
+            <a:endParaRPr lang="ko-KR" altLang="en-US" sz="1000" b="1" dirty="0"/>
+          </a:p>
+        </p:txBody>
+      </p:sp>
+      <p:sp>
+        <p:nvSpPr>
+          <p:cNvPr id="36" name="TextBox 35"/>
+          <p:cNvSpPr txBox="1"/>
+          <p:nvPr/>
+        </p:nvSpPr>
+        <p:spPr>
+          <a:xfrm>
+            <a:off x="4720777" y="1772633"/>
+            <a:ext cx="1917675" cy="246221"/>
+          </a:xfrm>
+          <a:prstGeom prst="rect">
+            <a:avLst/>
+          </a:prstGeom>
+          <a:noFill/>
+        </p:spPr>
+        <p:txBody>
+          <a:bodyPr wrap="square" rtlCol="0">
+            <a:spAutoFit/>
+          </a:bodyPr>
+          <a:lstStyle/>
+          <a:p>
+            <a:r>
+              <a:rPr lang="ko-KR" altLang="en-US" sz="1000" b="1" dirty="0" smtClean="0"/>
+              <a:t>현재</a:t>
+            </a:r>
+            <a:r>
+              <a:rPr lang="ko-KR" altLang="en-US" sz="1000" b="1" dirty="0" smtClean="0"/>
+              <a:t> 값 과 연산자 바인딩</a:t>
+            </a:r>
+            <a:endParaRPr lang="ko-KR" altLang="en-US" sz="1000" b="1" dirty="0"/>
+          </a:p>
+        </p:txBody>
+      </p:sp>
+      <p:sp>
+        <p:nvSpPr>
+          <p:cNvPr id="37" name="TextBox 36"/>
+          <p:cNvSpPr txBox="1"/>
+          <p:nvPr/>
+        </p:nvSpPr>
+        <p:spPr>
+          <a:xfrm rot="19860502">
+            <a:off x="4724082" y="3407061"/>
+            <a:ext cx="1462260" cy="246221"/>
+          </a:xfrm>
+          <a:prstGeom prst="rect">
+            <a:avLst/>
+          </a:prstGeom>
+          <a:noFill/>
+        </p:spPr>
+        <p:txBody>
+          <a:bodyPr wrap="none" rtlCol="0">
+            <a:spAutoFit/>
+          </a:bodyPr>
+          <a:lstStyle/>
+          <a:p>
+            <a:r>
+              <a:rPr lang="ko-KR" altLang="en-US" sz="1000" b="1" dirty="0" smtClean="0"/>
+              <a:t>메모리</a:t>
+            </a:r>
+            <a:r>
+              <a:rPr lang="en-US" altLang="ko-KR" sz="1000" b="1" dirty="0" smtClean="0"/>
+              <a:t>, </a:t>
+            </a:r>
+            <a:r>
+              <a:rPr lang="ko-KR" altLang="en-US" sz="1000" b="1" dirty="0" err="1" smtClean="0"/>
+              <a:t>히스토리</a:t>
+            </a:r>
+            <a:r>
+              <a:rPr lang="ko-KR" altLang="en-US" sz="1000" b="1" dirty="0" smtClean="0"/>
+              <a:t> 보관</a:t>
+            </a:r>
+            <a:endParaRPr lang="ko-KR" altLang="en-US" sz="1000" b="1" dirty="0"/>
+          </a:p>
+        </p:txBody>
+      </p:sp>
+      <p:sp>
+        <p:nvSpPr>
+          <p:cNvPr id="39" name="TextBox 38"/>
+          <p:cNvSpPr txBox="1"/>
+          <p:nvPr/>
+        </p:nvSpPr>
+        <p:spPr>
+          <a:xfrm>
+            <a:off x="6477000" y="4096583"/>
+            <a:ext cx="5226111" cy="1169551"/>
+          </a:xfrm>
+          <a:prstGeom prst="rect">
+            <a:avLst/>
+          </a:prstGeom>
+          <a:noFill/>
+        </p:spPr>
+        <p:txBody>
+          <a:bodyPr wrap="none" rtlCol="0">
+            <a:spAutoFit/>
+          </a:bodyPr>
+          <a:lstStyle/>
+          <a:p>
+            <a:r>
+              <a:rPr lang="ko-KR" altLang="en-US" sz="1400" b="1" dirty="0" smtClean="0"/>
+              <a:t>뷰 </a:t>
+            </a:r>
+            <a:r>
+              <a:rPr lang="ko-KR" altLang="en-US" sz="1400" b="1" dirty="0" err="1" smtClean="0"/>
+              <a:t>모델는</a:t>
+            </a:r>
+            <a:r>
+              <a:rPr lang="ko-KR" altLang="en-US" sz="1400" b="1" dirty="0" smtClean="0"/>
+              <a:t> 모델의 관련 기능을 수행함 </a:t>
+            </a:r>
+            <a:r>
+              <a:rPr lang="en-US" altLang="ko-KR" sz="1400" b="1" dirty="0" smtClean="0"/>
+              <a:t>(Ex. </a:t>
+            </a:r>
+            <a:r>
+              <a:rPr lang="ko-KR" altLang="en-US" sz="1400" b="1" dirty="0" smtClean="0"/>
+              <a:t>메모리 저장 및</a:t>
+            </a:r>
+            <a:r>
+              <a:rPr lang="en-US" altLang="ko-KR" sz="1400" b="1" dirty="0" smtClean="0"/>
+              <a:t/>
+            </a:r>
+            <a:br>
+              <a:rPr lang="en-US" altLang="ko-KR" sz="1400" b="1" dirty="0" smtClean="0"/>
+            </a:br>
+            <a:r>
+              <a:rPr lang="ko-KR" altLang="en-US" sz="1400" b="1" dirty="0" smtClean="0"/>
+              <a:t>간단한 연산</a:t>
+            </a:r>
+            <a:r>
+              <a:rPr lang="en-US" altLang="ko-KR" sz="1400" b="1" dirty="0" smtClean="0"/>
+              <a:t>, </a:t>
+            </a:r>
+            <a:r>
+              <a:rPr lang="ko-KR" altLang="en-US" sz="1400" b="1" dirty="0" smtClean="0"/>
+              <a:t>메모리 값 취득</a:t>
+            </a:r>
+            <a:r>
+              <a:rPr lang="en-US" altLang="ko-KR" sz="1400" b="1" dirty="0" smtClean="0"/>
+              <a:t>)</a:t>
+            </a:r>
+            <a:r>
+              <a:rPr lang="ko-KR" altLang="en-US" sz="1400" b="1" dirty="0" smtClean="0"/>
+              <a:t> </a:t>
+            </a:r>
+            <a:r>
+              <a:rPr lang="en-US" altLang="ko-KR" sz="1400" b="1" dirty="0" smtClean="0"/>
+              <a:t/>
+            </a:r>
+            <a:br>
+              <a:rPr lang="en-US" altLang="ko-KR" sz="1400" b="1" dirty="0" smtClean="0"/>
+            </a:br>
+            <a:r>
+              <a:rPr lang="en-US" altLang="ko-KR" sz="1400" b="1" dirty="0" smtClean="0"/>
+              <a:t/>
+            </a:r>
+            <a:br>
+              <a:rPr lang="en-US" altLang="ko-KR" sz="1400" b="1" dirty="0" smtClean="0"/>
+            </a:br>
+            <a:r>
+              <a:rPr lang="ko-KR" altLang="en-US" sz="1400" b="1" dirty="0" smtClean="0"/>
+              <a:t>액션 커맨드에서 연산에 관련된 모든 기능 수행</a:t>
+            </a:r>
+            <a:r>
+              <a:rPr lang="en-US" altLang="ko-KR" sz="1400" b="1" dirty="0"/>
+              <a:t> </a:t>
+            </a:r>
+            <a:r>
+              <a:rPr lang="en-US" altLang="ko-KR" sz="1400" b="1" dirty="0" smtClean="0"/>
+              <a:t>( Ex. </a:t>
+            </a:r>
+            <a:r>
+              <a:rPr lang="ko-KR" altLang="en-US" sz="1400" b="1" dirty="0" smtClean="0"/>
+              <a:t>사칙연산</a:t>
+            </a:r>
+            <a:r>
+              <a:rPr lang="en-US" altLang="ko-KR" sz="1400" b="1" dirty="0" smtClean="0"/>
+              <a:t>,</a:t>
+            </a:r>
+            <a:br>
+              <a:rPr lang="en-US" altLang="ko-KR" sz="1400" b="1" dirty="0" smtClean="0"/>
+            </a:br>
+            <a:r>
+              <a:rPr lang="ko-KR" altLang="en-US" sz="1400" b="1" dirty="0" smtClean="0"/>
+              <a:t>결과값 표시</a:t>
+            </a:r>
+            <a:r>
+              <a:rPr lang="en-US" altLang="ko-KR" sz="1400" b="1" dirty="0"/>
+              <a:t> </a:t>
+            </a:r>
+            <a:r>
+              <a:rPr lang="ko-KR" altLang="en-US" sz="1400" b="1" dirty="0" smtClean="0"/>
+              <a:t>지우기 등등</a:t>
+            </a:r>
+            <a:r>
+              <a:rPr lang="en-US" altLang="ko-KR" sz="1400" b="1" dirty="0" smtClean="0"/>
+              <a:t>..)</a:t>
+            </a:r>
+            <a:r>
+              <a:rPr lang="ko-KR" altLang="en-US" sz="1400" b="1" dirty="0" smtClean="0"/>
+              <a:t> </a:t>
+            </a:r>
+            <a:endParaRPr lang="ko-KR" altLang="en-US" sz="1400" b="1" dirty="0"/>
+          </a:p>
+        </p:txBody>
+      </p:sp>
     </p:spTree>
     <p:extLst>
       <p:ext uri="{BB962C8B-B14F-4D97-AF65-F5344CB8AC3E}">
-        <p14:creationId xmlns:p14="http://schemas.microsoft.com/office/powerpoint/2010/main" val="4050627144"/>
+        <p14:creationId xmlns:p14="http://schemas.microsoft.com/office/powerpoint/2010/main" val="411131874"/>
       </p:ext>
     </p:extLst>
   </p:cSld>
@@ -8071,6 +8668,986 @@
 </p:sld>
 </file>
 
+<file path=ppt/slides/slide20.xml><?xml version="1.0" encoding="utf-8"?>
+<p:sld xmlns:a="http://schemas.openxmlformats.org/drawingml/2006/main" xmlns:r="http://schemas.openxmlformats.org/officeDocument/2006/relationships" xmlns:p="http://schemas.openxmlformats.org/presentationml/2006/main">
+  <p:cSld>
+    <p:spTree>
+      <p:nvGrpSpPr>
+        <p:cNvPr id="1" name=""/>
+        <p:cNvGrpSpPr/>
+        <p:nvPr/>
+      </p:nvGrpSpPr>
+      <p:grpSpPr>
+        <a:xfrm>
+          <a:off x="0" y="0"/>
+          <a:ext cx="0" cy="0"/>
+          <a:chOff x="0" y="0"/>
+          <a:chExt cx="0" cy="0"/>
+        </a:xfrm>
+      </p:grpSpPr>
+      <p:sp>
+        <p:nvSpPr>
+          <p:cNvPr id="2" name="텍스트 개체 틀 1"/>
+          <p:cNvSpPr>
+            <a:spLocks noGrp="1"/>
+          </p:cNvSpPr>
+          <p:nvPr>
+            <p:ph type="body" sz="quarter" idx="10"/>
+          </p:nvPr>
+        </p:nvSpPr>
+        <p:spPr/>
+        <p:txBody>
+          <a:bodyPr/>
+          <a:lstStyle/>
+          <a:p>
+            <a:r>
+              <a:rPr lang="en-US" altLang="ko-KR" dirty="0" smtClean="0"/>
+              <a:t>04.</a:t>
+            </a:r>
+            <a:endParaRPr lang="ko-KR" altLang="en-US" dirty="0"/>
+          </a:p>
+        </p:txBody>
+      </p:sp>
+      <p:sp>
+        <p:nvSpPr>
+          <p:cNvPr id="3" name="텍스트 개체 틀 2"/>
+          <p:cNvSpPr>
+            <a:spLocks noGrp="1"/>
+          </p:cNvSpPr>
+          <p:nvPr>
+            <p:ph type="body" sz="quarter" idx="11"/>
+          </p:nvPr>
+        </p:nvSpPr>
+        <p:spPr/>
+        <p:txBody>
+          <a:bodyPr/>
+          <a:lstStyle/>
+          <a:p>
+            <a:r>
+              <a:rPr lang="ko-KR" altLang="en-US" dirty="0" smtClean="0"/>
+              <a:t>솔루션 구성</a:t>
+            </a:r>
+            <a:endParaRPr lang="ko-KR" altLang="en-US" dirty="0"/>
+          </a:p>
+        </p:txBody>
+      </p:sp>
+    </p:spTree>
+    <p:extLst>
+      <p:ext uri="{BB962C8B-B14F-4D97-AF65-F5344CB8AC3E}">
+        <p14:creationId xmlns:p14="http://schemas.microsoft.com/office/powerpoint/2010/main" val="2637045068"/>
+      </p:ext>
+    </p:extLst>
+  </p:cSld>
+  <p:clrMapOvr>
+    <a:masterClrMapping/>
+  </p:clrMapOvr>
+  <p:timing>
+    <p:tnLst>
+      <p:par>
+        <p:cTn id="1" dur="indefinite" restart="never" nodeType="tmRoot"/>
+      </p:par>
+    </p:tnLst>
+  </p:timing>
+</p:sld>
+</file>
+
+<file path=ppt/slides/slide21.xml><?xml version="1.0" encoding="utf-8"?>
+<p:sld xmlns:a="http://schemas.openxmlformats.org/drawingml/2006/main" xmlns:r="http://schemas.openxmlformats.org/officeDocument/2006/relationships" xmlns:p="http://schemas.openxmlformats.org/presentationml/2006/main">
+  <p:cSld>
+    <p:spTree>
+      <p:nvGrpSpPr>
+        <p:cNvPr id="1" name=""/>
+        <p:cNvGrpSpPr/>
+        <p:nvPr/>
+      </p:nvGrpSpPr>
+      <p:grpSpPr>
+        <a:xfrm>
+          <a:off x="0" y="0"/>
+          <a:ext cx="0" cy="0"/>
+          <a:chOff x="0" y="0"/>
+          <a:chExt cx="0" cy="0"/>
+        </a:xfrm>
+      </p:grpSpPr>
+      <p:sp>
+        <p:nvSpPr>
+          <p:cNvPr id="2" name="텍스트 개체 틀 1"/>
+          <p:cNvSpPr>
+            <a:spLocks noGrp="1"/>
+          </p:cNvSpPr>
+          <p:nvPr>
+            <p:ph type="body" sz="quarter" idx="10"/>
+          </p:nvPr>
+        </p:nvSpPr>
+        <p:spPr/>
+        <p:txBody>
+          <a:bodyPr/>
+          <a:lstStyle/>
+          <a:p>
+            <a:r>
+              <a:rPr lang="ko-KR" altLang="en-US" dirty="0" smtClean="0"/>
+              <a:t>솔루션 구성</a:t>
+            </a:r>
+            <a:endParaRPr lang="ko-KR" altLang="en-US" dirty="0"/>
+          </a:p>
+        </p:txBody>
+      </p:sp>
+      <p:sp>
+        <p:nvSpPr>
+          <p:cNvPr id="9" name="텍스트 개체 틀 2"/>
+          <p:cNvSpPr>
+            <a:spLocks noGrp="1"/>
+          </p:cNvSpPr>
+          <p:nvPr>
+            <p:ph type="body" sz="quarter" idx="11"/>
+          </p:nvPr>
+        </p:nvSpPr>
+        <p:spPr>
+          <a:xfrm>
+            <a:off x="4578362" y="1635536"/>
+            <a:ext cx="5647678" cy="4163284"/>
+          </a:xfrm>
+        </p:spPr>
+        <p:txBody>
+          <a:bodyPr anchor="t">
+            <a:noAutofit/>
+          </a:bodyPr>
+          <a:lstStyle/>
+          <a:p>
+            <a:pPr marL="228600" indent="-228600">
+              <a:lnSpc>
+                <a:spcPct val="150000"/>
+              </a:lnSpc>
+              <a:buAutoNum type="arabicPeriod"/>
+            </a:pPr>
+            <a:r>
+              <a:rPr lang="ko-KR" altLang="en-US" sz="1200" dirty="0" smtClean="0"/>
+              <a:t>모델</a:t>
+            </a:r>
+            <a:r>
+              <a:rPr lang="en-US" altLang="ko-KR" sz="1200" dirty="0" smtClean="0"/>
+              <a:t/>
+            </a:r>
+            <a:br>
+              <a:rPr lang="en-US" altLang="ko-KR" sz="1200" dirty="0" smtClean="0"/>
+            </a:br>
+            <a:r>
+              <a:rPr lang="en-US" altLang="ko-KR" sz="1200" dirty="0" smtClean="0"/>
+              <a:t>- </a:t>
+            </a:r>
+            <a:r>
+              <a:rPr lang="ko-KR" altLang="en-US" sz="1200" dirty="0" err="1" smtClean="0"/>
+              <a:t>히스토리</a:t>
+            </a:r>
+            <a:r>
+              <a:rPr lang="en-US" altLang="ko-KR" sz="1200" dirty="0" smtClean="0"/>
+              <a:t>, </a:t>
+            </a:r>
+            <a:r>
+              <a:rPr lang="ko-KR" altLang="en-US" sz="1200" dirty="0" err="1" smtClean="0"/>
+              <a:t>메모리등</a:t>
+            </a:r>
+            <a:r>
+              <a:rPr lang="ko-KR" altLang="en-US" sz="1200" dirty="0" smtClean="0"/>
+              <a:t> 메인 모델이 포함되어 있는 파일</a:t>
+            </a:r>
+            <a:endParaRPr lang="en-US" altLang="ko-KR" sz="2000" dirty="0" smtClean="0"/>
+          </a:p>
+          <a:p>
+            <a:pPr marL="228600" indent="-228600">
+              <a:lnSpc>
+                <a:spcPct val="150000"/>
+              </a:lnSpc>
+              <a:buAutoNum type="arabicPeriod"/>
+            </a:pPr>
+            <a:r>
+              <a:rPr lang="ko-KR" altLang="en-US" sz="1200" dirty="0" smtClean="0"/>
+              <a:t>리소스</a:t>
+            </a:r>
+            <a:r>
+              <a:rPr lang="en-US" altLang="ko-KR" sz="1200" dirty="0" smtClean="0"/>
+              <a:t/>
+            </a:r>
+            <a:br>
+              <a:rPr lang="en-US" altLang="ko-KR" sz="1200" dirty="0" smtClean="0"/>
+            </a:br>
+            <a:r>
+              <a:rPr lang="en-US" altLang="ko-KR" sz="1200" dirty="0" smtClean="0"/>
+              <a:t>- </a:t>
+            </a:r>
+            <a:r>
+              <a:rPr lang="ko-KR" altLang="en-US" sz="1200" dirty="0" smtClean="0"/>
+              <a:t>버튼에 사용되는 이미지 파일이 포함되어 있는 파일 </a:t>
+            </a:r>
+            <a:endParaRPr lang="en-US" altLang="ko-KR" sz="1200" dirty="0" smtClean="0"/>
+          </a:p>
+          <a:p>
+            <a:pPr marL="228600" indent="-228600">
+              <a:lnSpc>
+                <a:spcPct val="150000"/>
+              </a:lnSpc>
+              <a:buAutoNum type="arabicPeriod"/>
+            </a:pPr>
+            <a:r>
+              <a:rPr lang="ko-KR" altLang="en-US" sz="1200" dirty="0" err="1" smtClean="0"/>
+              <a:t>뷰모델</a:t>
+            </a:r>
+            <a:r>
+              <a:rPr lang="en-US" altLang="ko-KR" sz="1200" dirty="0" smtClean="0"/>
+              <a:t/>
+            </a:r>
+            <a:br>
+              <a:rPr lang="en-US" altLang="ko-KR" sz="1200" dirty="0" smtClean="0"/>
+            </a:br>
+            <a:r>
+              <a:rPr lang="en-US" altLang="ko-KR" sz="1200" dirty="0" smtClean="0"/>
+              <a:t>- </a:t>
+            </a:r>
+            <a:r>
+              <a:rPr lang="ko-KR" altLang="en-US" sz="1200" dirty="0" smtClean="0"/>
+              <a:t>뷰의 </a:t>
+            </a:r>
+            <a:r>
+              <a:rPr lang="ko-KR" altLang="en-US" sz="1200" dirty="0" err="1" smtClean="0"/>
+              <a:t>프로퍼티</a:t>
+            </a:r>
+            <a:r>
+              <a:rPr lang="ko-KR" altLang="en-US" sz="1200" dirty="0" smtClean="0"/>
+              <a:t> 변경에 따른 모델의 동작이 작성되어 있는 </a:t>
+            </a:r>
+            <a:r>
+              <a:rPr lang="ko-KR" altLang="en-US" sz="1200" dirty="0" err="1" smtClean="0"/>
+              <a:t>뷰모델</a:t>
+            </a:r>
+            <a:r>
+              <a:rPr lang="ko-KR" altLang="en-US" sz="1200" dirty="0" smtClean="0"/>
+              <a:t> </a:t>
+            </a:r>
+            <a:endParaRPr lang="en-US" altLang="ko-KR" sz="1200" dirty="0" smtClean="0"/>
+          </a:p>
+          <a:p>
+            <a:pPr marL="228600" indent="-228600">
+              <a:lnSpc>
+                <a:spcPct val="150000"/>
+              </a:lnSpc>
+              <a:buAutoNum type="arabicPeriod"/>
+            </a:pPr>
+            <a:r>
+              <a:rPr lang="ko-KR" altLang="en-US" sz="1200" dirty="0" smtClean="0"/>
+              <a:t>뷰</a:t>
+            </a:r>
+            <a:r>
+              <a:rPr lang="en-US" altLang="ko-KR" sz="1200" dirty="0" smtClean="0"/>
+              <a:t/>
+            </a:r>
+            <a:br>
+              <a:rPr lang="en-US" altLang="ko-KR" sz="1200" dirty="0" smtClean="0"/>
+            </a:br>
+            <a:r>
+              <a:rPr lang="en-US" altLang="ko-KR" sz="1200" dirty="0" smtClean="0"/>
+              <a:t>- </a:t>
+            </a:r>
+            <a:r>
+              <a:rPr lang="en-US" altLang="ko-KR" sz="1200" dirty="0" err="1" smtClean="0"/>
+              <a:t>xaml</a:t>
+            </a:r>
+            <a:r>
+              <a:rPr lang="ko-KR" altLang="en-US" sz="1200" dirty="0"/>
+              <a:t> </a:t>
+            </a:r>
+            <a:r>
+              <a:rPr lang="ko-KR" altLang="en-US" sz="1200" dirty="0" smtClean="0"/>
+              <a:t>기반으로 작성되어 있는 뷰</a:t>
+            </a:r>
+            <a:endParaRPr lang="en-US" altLang="ko-KR" sz="1200" dirty="0" smtClean="0"/>
+          </a:p>
+          <a:p>
+            <a:pPr marL="228600" indent="-228600">
+              <a:lnSpc>
+                <a:spcPct val="150000"/>
+              </a:lnSpc>
+              <a:buAutoNum type="arabicPeriod"/>
+            </a:pPr>
+            <a:r>
+              <a:rPr lang="ko-KR" altLang="en-US" sz="1200" dirty="0" smtClean="0"/>
+              <a:t>기타 커맨드</a:t>
+            </a:r>
+            <a:r>
+              <a:rPr lang="en-US" altLang="ko-KR" sz="1200" dirty="0"/>
+              <a:t/>
+            </a:r>
+            <a:br>
+              <a:rPr lang="en-US" altLang="ko-KR" sz="1200" dirty="0"/>
+            </a:br>
+            <a:r>
+              <a:rPr lang="en-US" altLang="ko-KR" sz="1200" dirty="0" smtClean="0"/>
+              <a:t>- </a:t>
+            </a:r>
+            <a:r>
+              <a:rPr lang="ko-KR" altLang="en-US" sz="1200" dirty="0" smtClean="0"/>
+              <a:t>비즈니스 </a:t>
+            </a:r>
+            <a:r>
+              <a:rPr lang="ko-KR" altLang="en-US" sz="1200" dirty="0" err="1" smtClean="0"/>
+              <a:t>로직을</a:t>
+            </a:r>
+            <a:r>
+              <a:rPr lang="ko-KR" altLang="en-US" sz="1200" dirty="0" smtClean="0"/>
+              <a:t> 분리하여 작성되어 있음</a:t>
+            </a:r>
+            <a:r>
+              <a:rPr lang="en-US" altLang="ko-KR" sz="1200" dirty="0" smtClean="0"/>
+              <a:t>.</a:t>
+            </a:r>
+          </a:p>
+          <a:p>
+            <a:pPr marL="228600" indent="-228600">
+              <a:lnSpc>
+                <a:spcPct val="150000"/>
+              </a:lnSpc>
+              <a:buAutoNum type="arabicPeriod"/>
+            </a:pPr>
+            <a:r>
+              <a:rPr lang="en-US" altLang="ko-KR" sz="1200" dirty="0" smtClean="0"/>
+              <a:t>CLR </a:t>
+            </a:r>
+            <a:r>
+              <a:rPr lang="ko-KR" altLang="en-US" sz="1200" dirty="0" smtClean="0"/>
+              <a:t>파일</a:t>
+            </a:r>
+            <a:r>
+              <a:rPr lang="en-US" altLang="ko-KR" sz="1200" dirty="0"/>
+              <a:t/>
+            </a:r>
+            <a:br>
+              <a:rPr lang="en-US" altLang="ko-KR" sz="1200" dirty="0"/>
+            </a:br>
+            <a:r>
+              <a:rPr lang="en-US" altLang="ko-KR" sz="1200" dirty="0" smtClean="0"/>
+              <a:t>- C/C++ </a:t>
+            </a:r>
+            <a:r>
+              <a:rPr lang="ko-KR" altLang="en-US" sz="1200" dirty="0" smtClean="0"/>
+              <a:t>기반 연산을 사용가능하도록 </a:t>
+            </a:r>
+            <a:r>
+              <a:rPr lang="en-US" altLang="ko-KR" sz="1200" dirty="0" smtClean="0"/>
+              <a:t>CLR </a:t>
+            </a:r>
+            <a:r>
+              <a:rPr lang="ko-KR" altLang="en-US" sz="1200" dirty="0" smtClean="0"/>
+              <a:t>파일이 작성되어 있음</a:t>
+            </a:r>
+            <a:r>
+              <a:rPr lang="en-US" altLang="ko-KR" sz="1200" dirty="0" smtClean="0"/>
+              <a:t>. </a:t>
+            </a:r>
+            <a:endParaRPr lang="en-US" altLang="ko-KR" sz="1200" dirty="0" smtClean="0"/>
+          </a:p>
+        </p:txBody>
+      </p:sp>
+      <p:pic>
+        <p:nvPicPr>
+          <p:cNvPr id="4" name="그림 3"/>
+          <p:cNvPicPr>
+            <a:picLocks noChangeAspect="1"/>
+          </p:cNvPicPr>
+          <p:nvPr/>
+        </p:nvPicPr>
+        <p:blipFill>
+          <a:blip r:embed="rId2"/>
+          <a:stretch>
+            <a:fillRect/>
+          </a:stretch>
+        </p:blipFill>
+        <p:spPr>
+          <a:xfrm>
+            <a:off x="1387792" y="949507"/>
+            <a:ext cx="2466975" cy="5429250"/>
+          </a:xfrm>
+          <a:prstGeom prst="rect">
+            <a:avLst/>
+          </a:prstGeom>
+        </p:spPr>
+      </p:pic>
+      <p:sp>
+        <p:nvSpPr>
+          <p:cNvPr id="6" name="직사각형 5"/>
+          <p:cNvSpPr/>
+          <p:nvPr/>
+        </p:nvSpPr>
+        <p:spPr>
+          <a:xfrm>
+            <a:off x="1548551" y="6158931"/>
+            <a:ext cx="2191902" cy="157369"/>
+          </a:xfrm>
+          <a:prstGeom prst="rect">
+            <a:avLst/>
+          </a:prstGeom>
+          <a:noFill/>
+          <a:ln w="19050">
+            <a:solidFill>
+              <a:srgbClr val="FF0000"/>
+            </a:solidFill>
+          </a:ln>
+        </p:spPr>
+        <p:style>
+          <a:lnRef idx="2">
+            <a:schemeClr val="accent1">
+              <a:shade val="50000"/>
+            </a:schemeClr>
+          </a:lnRef>
+          <a:fillRef idx="1">
+            <a:schemeClr val="accent1"/>
+          </a:fillRef>
+          <a:effectRef idx="0">
+            <a:schemeClr val="accent1"/>
+          </a:effectRef>
+          <a:fontRef idx="minor">
+            <a:schemeClr val="lt1"/>
+          </a:fontRef>
+        </p:style>
+        <p:txBody>
+          <a:bodyPr rtlCol="0" anchor="ctr"/>
+          <a:lstStyle/>
+          <a:p>
+            <a:pPr algn="ctr"/>
+            <a:endParaRPr lang="ko-KR" altLang="en-US"/>
+          </a:p>
+        </p:txBody>
+      </p:sp>
+      <p:sp>
+        <p:nvSpPr>
+          <p:cNvPr id="7" name="TextBox 6"/>
+          <p:cNvSpPr txBox="1"/>
+          <p:nvPr/>
+        </p:nvSpPr>
+        <p:spPr>
+          <a:xfrm>
+            <a:off x="3870334" y="6100856"/>
+            <a:ext cx="230820" cy="215444"/>
+          </a:xfrm>
+          <a:prstGeom prst="rect">
+            <a:avLst/>
+          </a:prstGeom>
+          <a:solidFill>
+            <a:srgbClr val="FFFF00"/>
+          </a:solidFill>
+          <a:ln>
+            <a:solidFill>
+              <a:schemeClr val="tx1"/>
+            </a:solidFill>
+          </a:ln>
+        </p:spPr>
+        <p:txBody>
+          <a:bodyPr wrap="square" rtlCol="0">
+            <a:spAutoFit/>
+          </a:bodyPr>
+          <a:lstStyle/>
+          <a:p>
+            <a:r>
+              <a:rPr lang="en-US" altLang="ko-KR" sz="800" b="1" dirty="0" smtClean="0"/>
+              <a:t>6</a:t>
+            </a:r>
+            <a:r>
+              <a:rPr lang="en-US" altLang="ko-KR" sz="800" b="1" dirty="0" smtClean="0"/>
+              <a:t> </a:t>
+            </a:r>
+            <a:endParaRPr lang="ko-KR" altLang="en-US" sz="800" b="1" dirty="0"/>
+          </a:p>
+        </p:txBody>
+      </p:sp>
+      <p:sp>
+        <p:nvSpPr>
+          <p:cNvPr id="8" name="직사각형 7"/>
+          <p:cNvSpPr/>
+          <p:nvPr/>
+        </p:nvSpPr>
+        <p:spPr>
+          <a:xfrm>
+            <a:off x="1548551" y="1693611"/>
+            <a:ext cx="2191902" cy="157369"/>
+          </a:xfrm>
+          <a:prstGeom prst="rect">
+            <a:avLst/>
+          </a:prstGeom>
+          <a:noFill/>
+          <a:ln w="19050">
+            <a:solidFill>
+              <a:srgbClr val="FF0000"/>
+            </a:solidFill>
+          </a:ln>
+        </p:spPr>
+        <p:style>
+          <a:lnRef idx="2">
+            <a:schemeClr val="accent1">
+              <a:shade val="50000"/>
+            </a:schemeClr>
+          </a:lnRef>
+          <a:fillRef idx="1">
+            <a:schemeClr val="accent1"/>
+          </a:fillRef>
+          <a:effectRef idx="0">
+            <a:schemeClr val="accent1"/>
+          </a:effectRef>
+          <a:fontRef idx="minor">
+            <a:schemeClr val="lt1"/>
+          </a:fontRef>
+        </p:style>
+        <p:txBody>
+          <a:bodyPr rtlCol="0" anchor="ctr"/>
+          <a:lstStyle/>
+          <a:p>
+            <a:pPr algn="ctr"/>
+            <a:endParaRPr lang="ko-KR" altLang="en-US"/>
+          </a:p>
+        </p:txBody>
+      </p:sp>
+      <p:sp>
+        <p:nvSpPr>
+          <p:cNvPr id="10" name="TextBox 9"/>
+          <p:cNvSpPr txBox="1"/>
+          <p:nvPr/>
+        </p:nvSpPr>
+        <p:spPr>
+          <a:xfrm>
+            <a:off x="3870334" y="1635536"/>
+            <a:ext cx="230820" cy="215444"/>
+          </a:xfrm>
+          <a:prstGeom prst="rect">
+            <a:avLst/>
+          </a:prstGeom>
+          <a:solidFill>
+            <a:srgbClr val="FFFF00"/>
+          </a:solidFill>
+          <a:ln>
+            <a:solidFill>
+              <a:schemeClr val="tx1"/>
+            </a:solidFill>
+          </a:ln>
+        </p:spPr>
+        <p:txBody>
+          <a:bodyPr wrap="square" rtlCol="0">
+            <a:spAutoFit/>
+          </a:bodyPr>
+          <a:lstStyle/>
+          <a:p>
+            <a:r>
+              <a:rPr lang="en-US" altLang="ko-KR" sz="800" b="1" dirty="0" smtClean="0"/>
+              <a:t>1</a:t>
+            </a:r>
+            <a:r>
+              <a:rPr lang="en-US" altLang="ko-KR" sz="800" b="1" dirty="0" smtClean="0"/>
+              <a:t> </a:t>
+            </a:r>
+            <a:endParaRPr lang="ko-KR" altLang="en-US" sz="800" b="1" dirty="0"/>
+          </a:p>
+        </p:txBody>
+      </p:sp>
+      <p:sp>
+        <p:nvSpPr>
+          <p:cNvPr id="11" name="직사각형 10"/>
+          <p:cNvSpPr/>
+          <p:nvPr/>
+        </p:nvSpPr>
+        <p:spPr>
+          <a:xfrm>
+            <a:off x="1548551" y="2006827"/>
+            <a:ext cx="2191902" cy="157369"/>
+          </a:xfrm>
+          <a:prstGeom prst="rect">
+            <a:avLst/>
+          </a:prstGeom>
+          <a:noFill/>
+          <a:ln w="19050">
+            <a:solidFill>
+              <a:srgbClr val="FF0000"/>
+            </a:solidFill>
+          </a:ln>
+        </p:spPr>
+        <p:style>
+          <a:lnRef idx="2">
+            <a:schemeClr val="accent1">
+              <a:shade val="50000"/>
+            </a:schemeClr>
+          </a:lnRef>
+          <a:fillRef idx="1">
+            <a:schemeClr val="accent1"/>
+          </a:fillRef>
+          <a:effectRef idx="0">
+            <a:schemeClr val="accent1"/>
+          </a:effectRef>
+          <a:fontRef idx="minor">
+            <a:schemeClr val="lt1"/>
+          </a:fontRef>
+        </p:style>
+        <p:txBody>
+          <a:bodyPr rtlCol="0" anchor="ctr"/>
+          <a:lstStyle/>
+          <a:p>
+            <a:pPr algn="ctr"/>
+            <a:endParaRPr lang="ko-KR" altLang="en-US"/>
+          </a:p>
+        </p:txBody>
+      </p:sp>
+      <p:sp>
+        <p:nvSpPr>
+          <p:cNvPr id="12" name="TextBox 11"/>
+          <p:cNvSpPr txBox="1"/>
+          <p:nvPr/>
+        </p:nvSpPr>
+        <p:spPr>
+          <a:xfrm>
+            <a:off x="3870334" y="1948752"/>
+            <a:ext cx="230820" cy="215444"/>
+          </a:xfrm>
+          <a:prstGeom prst="rect">
+            <a:avLst/>
+          </a:prstGeom>
+          <a:solidFill>
+            <a:srgbClr val="FFFF00"/>
+          </a:solidFill>
+          <a:ln>
+            <a:solidFill>
+              <a:schemeClr val="tx1"/>
+            </a:solidFill>
+          </a:ln>
+        </p:spPr>
+        <p:txBody>
+          <a:bodyPr wrap="square" rtlCol="0">
+            <a:spAutoFit/>
+          </a:bodyPr>
+          <a:lstStyle/>
+          <a:p>
+            <a:r>
+              <a:rPr lang="en-US" altLang="ko-KR" sz="800" b="1" dirty="0" smtClean="0"/>
+              <a:t>2</a:t>
+            </a:r>
+            <a:r>
+              <a:rPr lang="en-US" altLang="ko-KR" sz="800" b="1" dirty="0" smtClean="0"/>
+              <a:t> </a:t>
+            </a:r>
+            <a:endParaRPr lang="ko-KR" altLang="en-US" sz="800" b="1" dirty="0"/>
+          </a:p>
+        </p:txBody>
+      </p:sp>
+      <p:sp>
+        <p:nvSpPr>
+          <p:cNvPr id="13" name="직사각형 12"/>
+          <p:cNvSpPr/>
+          <p:nvPr/>
+        </p:nvSpPr>
+        <p:spPr>
+          <a:xfrm>
+            <a:off x="1548551" y="4237071"/>
+            <a:ext cx="2191902" cy="157369"/>
+          </a:xfrm>
+          <a:prstGeom prst="rect">
+            <a:avLst/>
+          </a:prstGeom>
+          <a:noFill/>
+          <a:ln w="19050">
+            <a:solidFill>
+              <a:srgbClr val="FF0000"/>
+            </a:solidFill>
+          </a:ln>
+        </p:spPr>
+        <p:style>
+          <a:lnRef idx="2">
+            <a:schemeClr val="accent1">
+              <a:shade val="50000"/>
+            </a:schemeClr>
+          </a:lnRef>
+          <a:fillRef idx="1">
+            <a:schemeClr val="accent1"/>
+          </a:fillRef>
+          <a:effectRef idx="0">
+            <a:schemeClr val="accent1"/>
+          </a:effectRef>
+          <a:fontRef idx="minor">
+            <a:schemeClr val="lt1"/>
+          </a:fontRef>
+        </p:style>
+        <p:txBody>
+          <a:bodyPr rtlCol="0" anchor="ctr"/>
+          <a:lstStyle/>
+          <a:p>
+            <a:pPr algn="ctr"/>
+            <a:endParaRPr lang="ko-KR" altLang="en-US"/>
+          </a:p>
+        </p:txBody>
+      </p:sp>
+      <p:sp>
+        <p:nvSpPr>
+          <p:cNvPr id="14" name="TextBox 13"/>
+          <p:cNvSpPr txBox="1"/>
+          <p:nvPr/>
+        </p:nvSpPr>
+        <p:spPr>
+          <a:xfrm>
+            <a:off x="3870334" y="4178996"/>
+            <a:ext cx="230820" cy="215444"/>
+          </a:xfrm>
+          <a:prstGeom prst="rect">
+            <a:avLst/>
+          </a:prstGeom>
+          <a:solidFill>
+            <a:srgbClr val="FFFF00"/>
+          </a:solidFill>
+          <a:ln>
+            <a:solidFill>
+              <a:schemeClr val="tx1"/>
+            </a:solidFill>
+          </a:ln>
+        </p:spPr>
+        <p:txBody>
+          <a:bodyPr wrap="square" rtlCol="0">
+            <a:spAutoFit/>
+          </a:bodyPr>
+          <a:lstStyle/>
+          <a:p>
+            <a:r>
+              <a:rPr lang="en-US" altLang="ko-KR" sz="800" b="1" dirty="0" smtClean="0"/>
+              <a:t>3</a:t>
+            </a:r>
+            <a:r>
+              <a:rPr lang="en-US" altLang="ko-KR" sz="800" b="1" dirty="0" smtClean="0"/>
+              <a:t> </a:t>
+            </a:r>
+            <a:endParaRPr lang="ko-KR" altLang="en-US" sz="800" b="1" dirty="0"/>
+          </a:p>
+        </p:txBody>
+      </p:sp>
+      <p:sp>
+        <p:nvSpPr>
+          <p:cNvPr id="15" name="직사각형 14"/>
+          <p:cNvSpPr/>
+          <p:nvPr/>
+        </p:nvSpPr>
+        <p:spPr>
+          <a:xfrm>
+            <a:off x="1548551" y="4777627"/>
+            <a:ext cx="2191902" cy="157369"/>
+          </a:xfrm>
+          <a:prstGeom prst="rect">
+            <a:avLst/>
+          </a:prstGeom>
+          <a:noFill/>
+          <a:ln w="19050">
+            <a:solidFill>
+              <a:srgbClr val="FF0000"/>
+            </a:solidFill>
+          </a:ln>
+        </p:spPr>
+        <p:style>
+          <a:lnRef idx="2">
+            <a:schemeClr val="accent1">
+              <a:shade val="50000"/>
+            </a:schemeClr>
+          </a:lnRef>
+          <a:fillRef idx="1">
+            <a:schemeClr val="accent1"/>
+          </a:fillRef>
+          <a:effectRef idx="0">
+            <a:schemeClr val="accent1"/>
+          </a:effectRef>
+          <a:fontRef idx="minor">
+            <a:schemeClr val="lt1"/>
+          </a:fontRef>
+        </p:style>
+        <p:txBody>
+          <a:bodyPr rtlCol="0" anchor="ctr"/>
+          <a:lstStyle/>
+          <a:p>
+            <a:pPr algn="ctr"/>
+            <a:endParaRPr lang="ko-KR" altLang="en-US"/>
+          </a:p>
+        </p:txBody>
+      </p:sp>
+      <p:sp>
+        <p:nvSpPr>
+          <p:cNvPr id="16" name="TextBox 15"/>
+          <p:cNvSpPr txBox="1"/>
+          <p:nvPr/>
+        </p:nvSpPr>
+        <p:spPr>
+          <a:xfrm>
+            <a:off x="3870334" y="4719552"/>
+            <a:ext cx="230820" cy="215444"/>
+          </a:xfrm>
+          <a:prstGeom prst="rect">
+            <a:avLst/>
+          </a:prstGeom>
+          <a:solidFill>
+            <a:srgbClr val="FFFF00"/>
+          </a:solidFill>
+          <a:ln>
+            <a:solidFill>
+              <a:schemeClr val="tx1"/>
+            </a:solidFill>
+          </a:ln>
+        </p:spPr>
+        <p:txBody>
+          <a:bodyPr wrap="square" rtlCol="0">
+            <a:spAutoFit/>
+          </a:bodyPr>
+          <a:lstStyle/>
+          <a:p>
+            <a:r>
+              <a:rPr lang="en-US" altLang="ko-KR" sz="800" b="1" dirty="0"/>
+              <a:t>4</a:t>
+            </a:r>
+            <a:r>
+              <a:rPr lang="en-US" altLang="ko-KR" sz="800" b="1" dirty="0" smtClean="0"/>
+              <a:t> </a:t>
+            </a:r>
+            <a:endParaRPr lang="ko-KR" altLang="en-US" sz="800" b="1" dirty="0"/>
+          </a:p>
+        </p:txBody>
+      </p:sp>
+      <p:sp>
+        <p:nvSpPr>
+          <p:cNvPr id="17" name="직사각형 16"/>
+          <p:cNvSpPr/>
+          <p:nvPr/>
+        </p:nvSpPr>
+        <p:spPr>
+          <a:xfrm>
+            <a:off x="1548551" y="5102739"/>
+            <a:ext cx="2191902" cy="1000881"/>
+          </a:xfrm>
+          <a:prstGeom prst="rect">
+            <a:avLst/>
+          </a:prstGeom>
+          <a:noFill/>
+          <a:ln w="19050">
+            <a:solidFill>
+              <a:srgbClr val="FF0000"/>
+            </a:solidFill>
+          </a:ln>
+        </p:spPr>
+        <p:style>
+          <a:lnRef idx="2">
+            <a:schemeClr val="accent1">
+              <a:shade val="50000"/>
+            </a:schemeClr>
+          </a:lnRef>
+          <a:fillRef idx="1">
+            <a:schemeClr val="accent1"/>
+          </a:fillRef>
+          <a:effectRef idx="0">
+            <a:schemeClr val="accent1"/>
+          </a:effectRef>
+          <a:fontRef idx="minor">
+            <a:schemeClr val="lt1"/>
+          </a:fontRef>
+        </p:style>
+        <p:txBody>
+          <a:bodyPr rtlCol="0" anchor="ctr"/>
+          <a:lstStyle/>
+          <a:p>
+            <a:pPr algn="ctr"/>
+            <a:endParaRPr lang="ko-KR" altLang="en-US"/>
+          </a:p>
+        </p:txBody>
+      </p:sp>
+      <p:sp>
+        <p:nvSpPr>
+          <p:cNvPr id="18" name="TextBox 17"/>
+          <p:cNvSpPr txBox="1"/>
+          <p:nvPr/>
+        </p:nvSpPr>
+        <p:spPr>
+          <a:xfrm>
+            <a:off x="3870334" y="5044664"/>
+            <a:ext cx="230820" cy="215444"/>
+          </a:xfrm>
+          <a:prstGeom prst="rect">
+            <a:avLst/>
+          </a:prstGeom>
+          <a:solidFill>
+            <a:srgbClr val="FFFF00"/>
+          </a:solidFill>
+          <a:ln>
+            <a:solidFill>
+              <a:schemeClr val="tx1"/>
+            </a:solidFill>
+          </a:ln>
+        </p:spPr>
+        <p:txBody>
+          <a:bodyPr wrap="square" rtlCol="0">
+            <a:spAutoFit/>
+          </a:bodyPr>
+          <a:lstStyle/>
+          <a:p>
+            <a:r>
+              <a:rPr lang="en-US" altLang="ko-KR" sz="800" b="1" dirty="0" smtClean="0"/>
+              <a:t>5</a:t>
+            </a:r>
+            <a:r>
+              <a:rPr lang="en-US" altLang="ko-KR" sz="800" b="1" dirty="0" smtClean="0"/>
+              <a:t> </a:t>
+            </a:r>
+            <a:endParaRPr lang="ko-KR" altLang="en-US" sz="800" b="1" dirty="0"/>
+          </a:p>
+        </p:txBody>
+      </p:sp>
+    </p:spTree>
+    <p:extLst>
+      <p:ext uri="{BB962C8B-B14F-4D97-AF65-F5344CB8AC3E}">
+        <p14:creationId xmlns:p14="http://schemas.microsoft.com/office/powerpoint/2010/main" val="3363638270"/>
+      </p:ext>
+    </p:extLst>
+  </p:cSld>
+  <p:clrMapOvr>
+    <a:masterClrMapping/>
+  </p:clrMapOvr>
+  <p:timing>
+    <p:tnLst>
+      <p:par>
+        <p:cTn id="1" dur="indefinite" restart="never" nodeType="tmRoot"/>
+      </p:par>
+    </p:tnLst>
+  </p:timing>
+</p:sld>
+</file>
+
+<file path=ppt/slides/slide22.xml><?xml version="1.0" encoding="utf-8"?>
+<p:sld xmlns:a="http://schemas.openxmlformats.org/drawingml/2006/main" xmlns:r="http://schemas.openxmlformats.org/officeDocument/2006/relationships" xmlns:p="http://schemas.openxmlformats.org/presentationml/2006/main">
+  <p:cSld>
+    <p:spTree>
+      <p:nvGrpSpPr>
+        <p:cNvPr id="1" name=""/>
+        <p:cNvGrpSpPr/>
+        <p:nvPr/>
+      </p:nvGrpSpPr>
+      <p:grpSpPr>
+        <a:xfrm>
+          <a:off x="0" y="0"/>
+          <a:ext cx="0" cy="0"/>
+          <a:chOff x="0" y="0"/>
+          <a:chExt cx="0" cy="0"/>
+        </a:xfrm>
+      </p:grpSpPr>
+    </p:spTree>
+    <p:extLst>
+      <p:ext uri="{BB962C8B-B14F-4D97-AF65-F5344CB8AC3E}">
+        <p14:creationId xmlns:p14="http://schemas.microsoft.com/office/powerpoint/2010/main" val="4050627144"/>
+      </p:ext>
+    </p:extLst>
+  </p:cSld>
+  <p:clrMapOvr>
+    <a:masterClrMapping/>
+  </p:clrMapOvr>
+  <p:timing>
+    <p:tnLst>
+      <p:par>
+        <p:cTn id="1" dur="indefinite" restart="never" nodeType="tmRoot"/>
+      </p:par>
+    </p:tnLst>
+  </p:timing>
+</p:sld>
+</file>
+
 <file path=ppt/slides/slide3.xml><?xml version="1.0" encoding="utf-8"?>
 <p:sld xmlns:a="http://schemas.openxmlformats.org/drawingml/2006/main" xmlns:r="http://schemas.openxmlformats.org/officeDocument/2006/relationships" xmlns:p="http://schemas.openxmlformats.org/presentationml/2006/main">
   <p:cSld>
@@ -8126,6 +9703,14 @@
               <a:rPr lang="en-US" altLang="ko-KR" dirty="0" smtClean="0"/>
               <a:t>03</a:t>
             </a:r>
+            <a:r>
+              <a:rPr lang="en-US" altLang="ko-KR" dirty="0" smtClean="0"/>
+              <a:t>04</a:t>
+            </a:r>
+            <a:br>
+              <a:rPr lang="en-US" altLang="ko-KR" dirty="0" smtClean="0"/>
+            </a:br>
+            <a:endParaRPr lang="en-US" altLang="ko-KR" dirty="0" smtClean="0"/>
           </a:p>
         </p:txBody>
       </p:sp>
@@ -8181,7 +9766,11 @@
             <a:br>
               <a:rPr lang="en-US" altLang="ko-KR" dirty="0" smtClean="0"/>
             </a:br>
-            <a:endParaRPr lang="ko-KR" altLang="en-US" dirty="0"/>
+            <a:r>
+              <a:rPr lang="ko-KR" altLang="en-US" dirty="0" smtClean="0"/>
+              <a:t>솔루션 구성</a:t>
+            </a:r>
+            <a:endParaRPr lang="en-US" altLang="ko-KR" dirty="0"/>
           </a:p>
         </p:txBody>
       </p:sp>
@@ -10092,6 +11681,15 @@
 </file>
 
 <file path=customXml/item1.xml><?xml version="1.0" encoding="utf-8"?>
+<?mso-contentType ?>
+<FormTemplates xmlns="http://schemas.microsoft.com/sharepoint/v3/contenttype/forms">
+  <Display>DocumentLibraryForm</Display>
+  <Edit>DocumentLibraryForm</Edit>
+  <New>DocumentLibraryForm</New>
+</FormTemplates>
+</file>
+
+<file path=customXml/item2.xml><?xml version="1.0" encoding="utf-8"?>
 <ct:contentTypeSchema xmlns:ct="http://schemas.microsoft.com/office/2006/metadata/contentType" xmlns:ma="http://schemas.microsoft.com/office/2006/metadata/properties/metaAttributes" ct:_="" ma:_="" ma:contentTypeName="문서" ma:contentTypeID="0x01010097F948F75E8F274E9D5EEB3077E57807" ma:contentTypeVersion="14" ma:contentTypeDescription="새 문서를 만듭니다." ma:contentTypeScope="" ma:versionID="383915c68c9dcfafa8e4a54ef9856791">
   <xsd:schema xmlns:xsd="http://www.w3.org/2001/XMLSchema" xmlns:xs="http://www.w3.org/2001/XMLSchema" xmlns:p="http://schemas.microsoft.com/office/2006/metadata/properties" xmlns:ns2="5287ea23-c7c1-471d-94e0-1f27800caf25" xmlns:ns3="9f8f5cdb-6f74-43b1-9aa9-ac4792d6eff0" targetNamespace="http://schemas.microsoft.com/office/2006/metadata/properties" ma:root="true" ma:fieldsID="b50d3e76b9750a35d841828d9dd8cc50" ns2:_="" ns3:_="">
     <xsd:import namespace="5287ea23-c7c1-471d-94e0-1f27800caf25"/>
@@ -10320,15 +11918,6 @@
 </ct:contentTypeSchema>
 </file>
 
-<file path=customXml/item2.xml><?xml version="1.0" encoding="utf-8"?>
-<?mso-contentType ?>
-<FormTemplates xmlns="http://schemas.microsoft.com/sharepoint/v3/contenttype/forms">
-  <Display>DocumentLibraryForm</Display>
-  <Edit>DocumentLibraryForm</Edit>
-  <New>DocumentLibraryForm</New>
-</FormTemplates>
-</file>
-
 <file path=customXml/item3.xml><?xml version="1.0" encoding="utf-8"?>
 <p:properties xmlns:p="http://schemas.microsoft.com/office/2006/metadata/properties" xmlns:xsi="http://www.w3.org/2001/XMLSchema-instance" xmlns:pc="http://schemas.microsoft.com/office/infopath/2007/PartnerControls">
   <documentManagement>
@@ -10341,6 +11930,14 @@
 </file>
 
 <file path=customXml/itemProps1.xml><?xml version="1.0" encoding="utf-8"?>
+<ds:datastoreItem xmlns:ds="http://schemas.openxmlformats.org/officeDocument/2006/customXml" ds:itemID="{A0D0B503-7AB3-4C80-B692-7C53279A1AB1}">
+  <ds:schemaRefs>
+    <ds:schemaRef ds:uri="http://schemas.microsoft.com/sharepoint/v3/contenttype/forms"/>
+  </ds:schemaRefs>
+</ds:datastoreItem>
+</file>
+
+<file path=customXml/itemProps2.xml><?xml version="1.0" encoding="utf-8"?>
 <ds:datastoreItem xmlns:ds="http://schemas.openxmlformats.org/officeDocument/2006/customXml" ds:itemID="{94D9C3E4-5230-48BB-918F-48AFCBD94E42}">
   <ds:schemaRefs>
     <ds:schemaRef ds:uri="http://schemas.microsoft.com/office/2006/metadata/contentType"/>
@@ -10355,14 +11952,6 @@
     <ds:schemaRef ds:uri="http://purl.org/dc/elements/1.1/"/>
     <ds:schemaRef ds:uri="http://purl.org/dc/terms/"/>
     <ds:schemaRef ds:uri="http://schemas.microsoft.com/internal/obd"/>
-  </ds:schemaRefs>
-</ds:datastoreItem>
-</file>
-
-<file path=customXml/itemProps2.xml><?xml version="1.0" encoding="utf-8"?>
-<ds:datastoreItem xmlns:ds="http://schemas.openxmlformats.org/officeDocument/2006/customXml" ds:itemID="{A0D0B503-7AB3-4C80-B692-7C53279A1AB1}">
-  <ds:schemaRefs>
-    <ds:schemaRef ds:uri="http://schemas.microsoft.com/sharepoint/v3/contenttype/forms"/>
   </ds:schemaRefs>
 </ds:datastoreItem>
 </file>
